--- a/LCC/Python/數據圖表_matplotlib模組入門.pptx
+++ b/LCC/Python/數據圖表_matplotlib模組入門.pptx
@@ -11,42 +11,44 @@
     <p:sldId id="351" r:id="rId5"/>
     <p:sldId id="352" r:id="rId6"/>
     <p:sldId id="353" r:id="rId7"/>
-    <p:sldId id="354" r:id="rId8"/>
-    <p:sldId id="330" r:id="rId9"/>
-    <p:sldId id="316" r:id="rId10"/>
-    <p:sldId id="317" r:id="rId11"/>
-    <p:sldId id="318" r:id="rId12"/>
-    <p:sldId id="319" r:id="rId13"/>
-    <p:sldId id="320" r:id="rId14"/>
-    <p:sldId id="321" r:id="rId15"/>
-    <p:sldId id="323" r:id="rId16"/>
-    <p:sldId id="322" r:id="rId17"/>
-    <p:sldId id="327" r:id="rId18"/>
-    <p:sldId id="326" r:id="rId19"/>
-    <p:sldId id="324" r:id="rId20"/>
-    <p:sldId id="325" r:id="rId21"/>
-    <p:sldId id="328" r:id="rId22"/>
-    <p:sldId id="350" r:id="rId23"/>
-    <p:sldId id="329" r:id="rId24"/>
-    <p:sldId id="331" r:id="rId25"/>
-    <p:sldId id="332" r:id="rId26"/>
-    <p:sldId id="333" r:id="rId27"/>
-    <p:sldId id="334" r:id="rId28"/>
-    <p:sldId id="335" r:id="rId29"/>
-    <p:sldId id="336" r:id="rId30"/>
-    <p:sldId id="337" r:id="rId31"/>
-    <p:sldId id="338" r:id="rId32"/>
-    <p:sldId id="339" r:id="rId33"/>
-    <p:sldId id="340" r:id="rId34"/>
-    <p:sldId id="341" r:id="rId35"/>
-    <p:sldId id="342" r:id="rId36"/>
-    <p:sldId id="343" r:id="rId37"/>
-    <p:sldId id="344" r:id="rId38"/>
-    <p:sldId id="345" r:id="rId39"/>
-    <p:sldId id="346" r:id="rId40"/>
-    <p:sldId id="347" r:id="rId41"/>
-    <p:sldId id="348" r:id="rId42"/>
-    <p:sldId id="349" r:id="rId43"/>
+    <p:sldId id="356" r:id="rId8"/>
+    <p:sldId id="354" r:id="rId9"/>
+    <p:sldId id="330" r:id="rId10"/>
+    <p:sldId id="316" r:id="rId11"/>
+    <p:sldId id="317" r:id="rId12"/>
+    <p:sldId id="318" r:id="rId13"/>
+    <p:sldId id="355" r:id="rId14"/>
+    <p:sldId id="319" r:id="rId15"/>
+    <p:sldId id="320" r:id="rId16"/>
+    <p:sldId id="321" r:id="rId17"/>
+    <p:sldId id="323" r:id="rId18"/>
+    <p:sldId id="322" r:id="rId19"/>
+    <p:sldId id="327" r:id="rId20"/>
+    <p:sldId id="326" r:id="rId21"/>
+    <p:sldId id="324" r:id="rId22"/>
+    <p:sldId id="325" r:id="rId23"/>
+    <p:sldId id="328" r:id="rId24"/>
+    <p:sldId id="350" r:id="rId25"/>
+    <p:sldId id="329" r:id="rId26"/>
+    <p:sldId id="331" r:id="rId27"/>
+    <p:sldId id="332" r:id="rId28"/>
+    <p:sldId id="333" r:id="rId29"/>
+    <p:sldId id="334" r:id="rId30"/>
+    <p:sldId id="335" r:id="rId31"/>
+    <p:sldId id="336" r:id="rId32"/>
+    <p:sldId id="337" r:id="rId33"/>
+    <p:sldId id="338" r:id="rId34"/>
+    <p:sldId id="339" r:id="rId35"/>
+    <p:sldId id="340" r:id="rId36"/>
+    <p:sldId id="341" r:id="rId37"/>
+    <p:sldId id="342" r:id="rId38"/>
+    <p:sldId id="343" r:id="rId39"/>
+    <p:sldId id="344" r:id="rId40"/>
+    <p:sldId id="345" r:id="rId41"/>
+    <p:sldId id="346" r:id="rId42"/>
+    <p:sldId id="347" r:id="rId43"/>
+    <p:sldId id="348" r:id="rId44"/>
+    <p:sldId id="349" r:id="rId45"/>
   </p:sldIdLst>
   <p:sldSz cx="12192000" cy="6858000"/>
   <p:notesSz cx="6858000" cy="9144000"/>
@@ -910,7 +912,7 @@
             <a:fld id="{B61BEF0D-F0BB-DE4B-95CE-6DB70DBA9567}" type="datetimeFigureOut">
               <a:rPr lang="en-US" smtClean="0"/>
               <a:pPr/>
-              <a:t>6/27/2021</a:t>
+              <a:t>1/26/2022</a:t>
             </a:fld>
             <a:endParaRPr lang="en-US" dirty="0"/>
           </a:p>
@@ -1163,7 +1165,7 @@
             <a:fld id="{B61BEF0D-F0BB-DE4B-95CE-6DB70DBA9567}" type="datetimeFigureOut">
               <a:rPr lang="en-US" smtClean="0"/>
               <a:pPr/>
-              <a:t>6/27/2021</a:t>
+              <a:t>1/26/2022</a:t>
             </a:fld>
             <a:endParaRPr lang="en-US" dirty="0"/>
           </a:p>
@@ -1479,7 +1481,7 @@
             <a:fld id="{B61BEF0D-F0BB-DE4B-95CE-6DB70DBA9567}" type="datetimeFigureOut">
               <a:rPr lang="en-US" smtClean="0"/>
               <a:pPr/>
-              <a:t>6/27/2021</a:t>
+              <a:t>1/26/2022</a:t>
             </a:fld>
             <a:endParaRPr lang="en-US" dirty="0"/>
           </a:p>
@@ -1814,7 +1816,7 @@
             <a:fld id="{B61BEF0D-F0BB-DE4B-95CE-6DB70DBA9567}" type="datetimeFigureOut">
               <a:rPr lang="en-US" smtClean="0"/>
               <a:pPr/>
-              <a:t>6/27/2021</a:t>
+              <a:t>1/26/2022</a:t>
             </a:fld>
             <a:endParaRPr lang="en-US" dirty="0"/>
           </a:p>
@@ -2130,7 +2132,7 @@
             <a:fld id="{B61BEF0D-F0BB-DE4B-95CE-6DB70DBA9567}" type="datetimeFigureOut">
               <a:rPr lang="en-US" smtClean="0"/>
               <a:pPr/>
-              <a:t>6/27/2021</a:t>
+              <a:t>1/26/2022</a:t>
             </a:fld>
             <a:endParaRPr lang="en-US" dirty="0"/>
           </a:p>
@@ -2525,7 +2527,7 @@
             <a:fld id="{B61BEF0D-F0BB-DE4B-95CE-6DB70DBA9567}" type="datetimeFigureOut">
               <a:rPr lang="en-US" smtClean="0"/>
               <a:pPr/>
-              <a:t>6/27/2021</a:t>
+              <a:t>1/26/2022</a:t>
             </a:fld>
             <a:endParaRPr lang="en-US" dirty="0"/>
           </a:p>
@@ -2696,7 +2698,7 @@
           <a:p>
             <a:fld id="{55C6B4A9-1611-4792-9094-5F34BCA07E0B}" type="datetimeFigureOut">
               <a:rPr lang="en-US" smtClean="0"/>
-              <a:t>6/27/2021</a:t>
+              <a:t>1/26/2022</a:t>
             </a:fld>
             <a:endParaRPr lang="en-US" dirty="0"/>
           </a:p>
@@ -2877,7 +2879,7 @@
             <a:fld id="{B61BEF0D-F0BB-DE4B-95CE-6DB70DBA9567}" type="datetimeFigureOut">
               <a:rPr lang="en-US" smtClean="0"/>
               <a:pPr/>
-              <a:t>6/27/2021</a:t>
+              <a:t>1/26/2022</a:t>
             </a:fld>
             <a:endParaRPr lang="en-US" dirty="0"/>
           </a:p>
@@ -3049,7 +3051,7 @@
             <a:fld id="{B61BEF0D-F0BB-DE4B-95CE-6DB70DBA9567}" type="datetimeFigureOut">
               <a:rPr lang="en-US" smtClean="0"/>
               <a:pPr/>
-              <a:t>6/27/2021</a:t>
+              <a:t>1/26/2022</a:t>
             </a:fld>
             <a:endParaRPr lang="en-US" dirty="0"/>
           </a:p>
@@ -3298,7 +3300,7 @@
             <a:fld id="{B61BEF0D-F0BB-DE4B-95CE-6DB70DBA9567}" type="datetimeFigureOut">
               <a:rPr lang="en-US" smtClean="0"/>
               <a:pPr/>
-              <a:t>6/27/2021</a:t>
+              <a:t>1/26/2022</a:t>
             </a:fld>
             <a:endParaRPr lang="en-US" dirty="0"/>
           </a:p>
@@ -3531,7 +3533,7 @@
           <a:p>
             <a:fld id="{EB712588-04B1-427B-82EE-E8DB90309F08}" type="datetimeFigureOut">
               <a:rPr lang="en-US" smtClean="0"/>
-              <a:t>6/27/2021</a:t>
+              <a:t>1/26/2022</a:t>
             </a:fld>
             <a:endParaRPr lang="en-US" dirty="0"/>
           </a:p>
@@ -3906,7 +3908,7 @@
             <a:fld id="{B61BEF0D-F0BB-DE4B-95CE-6DB70DBA9567}" type="datetimeFigureOut">
               <a:rPr lang="en-US" smtClean="0"/>
               <a:pPr/>
-              <a:t>6/27/2021</a:t>
+              <a:t>1/26/2022</a:t>
             </a:fld>
             <a:endParaRPr lang="en-US" dirty="0"/>
           </a:p>
@@ -4031,7 +4033,7 @@
             <a:fld id="{B61BEF0D-F0BB-DE4B-95CE-6DB70DBA9567}" type="datetimeFigureOut">
               <a:rPr lang="en-US" smtClean="0"/>
               <a:pPr/>
-              <a:t>6/27/2021</a:t>
+              <a:t>1/26/2022</a:t>
             </a:fld>
             <a:endParaRPr lang="en-US" dirty="0"/>
           </a:p>
@@ -4128,7 +4130,7 @@
             <a:fld id="{B61BEF0D-F0BB-DE4B-95CE-6DB70DBA9567}" type="datetimeFigureOut">
               <a:rPr lang="en-US" smtClean="0"/>
               <a:pPr/>
-              <a:t>6/27/2021</a:t>
+              <a:t>1/26/2022</a:t>
             </a:fld>
             <a:endParaRPr lang="en-US" dirty="0"/>
           </a:p>
@@ -4384,7 +4386,7 @@
           <a:p>
             <a:fld id="{42A54C80-263E-416B-A8E0-580EDEADCBDC}" type="datetimeFigureOut">
               <a:rPr lang="en-US" smtClean="0"/>
-              <a:t>6/27/2021</a:t>
+              <a:t>1/26/2022</a:t>
             </a:fld>
             <a:endParaRPr lang="en-US" dirty="0"/>
           </a:p>
@@ -4691,7 +4693,7 @@
             <a:fld id="{B61BEF0D-F0BB-DE4B-95CE-6DB70DBA9567}" type="datetimeFigureOut">
               <a:rPr lang="en-US" smtClean="0"/>
               <a:pPr/>
-              <a:t>6/27/2021</a:t>
+              <a:t>1/26/2022</a:t>
             </a:fld>
             <a:endParaRPr lang="en-US" dirty="0"/>
           </a:p>
@@ -5394,7 +5396,7 @@
             <a:fld id="{B61BEF0D-F0BB-DE4B-95CE-6DB70DBA9567}" type="datetimeFigureOut">
               <a:rPr lang="en-US" smtClean="0"/>
               <a:pPr/>
-              <a:t>6/27/2021</a:t>
+              <a:t>1/26/2022</a:t>
             </a:fld>
             <a:endParaRPr lang="en-US" dirty="0"/>
           </a:p>
@@ -6071,7 +6073,7 @@
             <a:fld id="{4805910D-2C61-424F-80CE-807290CF0E1E}" type="datetime4">
               <a:rPr lang="zh-TW" altLang="zh-TW"/>
               <a:pPr/>
-              <a:t>110年6月27日星期日</a:t>
+              <a:t>111年1月26日星期三</a:t>
             </a:fld>
             <a:endParaRPr lang="zh-TW" altLang="en-US" dirty="0"/>
           </a:p>
@@ -6172,6 +6174,588 @@
           <a:p>
             <a:r>
               <a:rPr lang="zh-TW" altLang="en-US" dirty="0" smtClean="0"/>
+              <a:t>嘗鮮一下來個簡單折線圖</a:t>
+            </a:r>
+            <a:endParaRPr lang="zh-TW" altLang="en-US" dirty="0"/>
+          </a:p>
+        </p:txBody>
+      </p:sp>
+      <p:sp>
+        <p:nvSpPr>
+          <p:cNvPr id="3" name="內容版面配置區 2"/>
+          <p:cNvSpPr>
+            <a:spLocks noGrp="1"/>
+          </p:cNvSpPr>
+          <p:nvPr>
+            <p:ph idx="1"/>
+          </p:nvPr>
+        </p:nvSpPr>
+        <p:spPr>
+          <a:xfrm>
+            <a:off x="677334" y="2011681"/>
+            <a:ext cx="8596668" cy="4029682"/>
+          </a:xfrm>
+        </p:spPr>
+        <p:txBody>
+          <a:bodyPr>
+            <a:normAutofit/>
+          </a:bodyPr>
+          <a:lstStyle/>
+          <a:p>
+            <a:r>
+              <a:rPr lang="zh-TW" altLang="en-US" dirty="0" smtClean="0"/>
+              <a:t>簡單程式碼如下：</a:t>
+            </a:r>
+            <a:endParaRPr lang="en-US" altLang="zh-TW" dirty="0" smtClean="0"/>
+          </a:p>
+          <a:p>
+            <a:endParaRPr lang="en-US" altLang="zh-TW" dirty="0"/>
+          </a:p>
+          <a:p>
+            <a:endParaRPr lang="en-US" altLang="zh-TW" dirty="0" smtClean="0"/>
+          </a:p>
+          <a:p>
+            <a:endParaRPr lang="en-US" altLang="zh-TW" dirty="0"/>
+          </a:p>
+          <a:p>
+            <a:endParaRPr lang="en-US" altLang="zh-TW" dirty="0" smtClean="0"/>
+          </a:p>
+          <a:p>
+            <a:r>
+              <a:rPr lang="zh-TW" altLang="en-US" dirty="0"/>
+              <a:t>程式碼存檔</a:t>
+            </a:r>
+            <a:r>
+              <a:rPr lang="zh-TW" altLang="en-US" dirty="0" smtClean="0"/>
+              <a:t>，然後點開</a:t>
+            </a:r>
+            <a:r>
+              <a:rPr lang="en-US" altLang="zh-TW" dirty="0" err="1" smtClean="0"/>
+              <a:t>Spyder</a:t>
+            </a:r>
+            <a:r>
+              <a:rPr lang="zh-TW" altLang="en-US" dirty="0" smtClean="0"/>
+              <a:t>的右上角處的</a:t>
+            </a:r>
+            <a:r>
+              <a:rPr lang="en-US" altLang="zh-TW" dirty="0" smtClean="0"/>
+              <a:t>Plots</a:t>
+            </a:r>
+            <a:br>
+              <a:rPr lang="en-US" altLang="zh-TW" dirty="0" smtClean="0"/>
+            </a:br>
+            <a:r>
+              <a:rPr lang="zh-TW" altLang="en-US" dirty="0" smtClean="0"/>
+              <a:t>，如下：</a:t>
+            </a:r>
+            <a:endParaRPr lang="en-US" altLang="zh-TW" dirty="0" smtClean="0"/>
+          </a:p>
+          <a:p>
+            <a:endParaRPr lang="en-US" altLang="zh-TW" dirty="0"/>
+          </a:p>
+          <a:p>
+            <a:endParaRPr lang="en-US" altLang="zh-TW" dirty="0"/>
+          </a:p>
+          <a:p>
+            <a:r>
+              <a:rPr lang="zh-TW" altLang="en-US" dirty="0" smtClean="0"/>
+              <a:t>執行，看到圖表。</a:t>
+            </a:r>
+            <a:endParaRPr lang="zh-TW" altLang="en-US" dirty="0"/>
+          </a:p>
+        </p:txBody>
+      </p:sp>
+      <p:sp>
+        <p:nvSpPr>
+          <p:cNvPr id="4" name="文字方塊 3"/>
+          <p:cNvSpPr txBox="1"/>
+          <p:nvPr/>
+        </p:nvSpPr>
+        <p:spPr>
+          <a:xfrm>
+            <a:off x="1115569" y="2359152"/>
+            <a:ext cx="3398687" cy="1477328"/>
+          </a:xfrm>
+          <a:prstGeom prst="rect">
+            <a:avLst/>
+          </a:prstGeom>
+          <a:solidFill>
+            <a:schemeClr val="tx1"/>
+          </a:solidFill>
+        </p:spPr>
+        <p:txBody>
+          <a:bodyPr wrap="none" rtlCol="0">
+            <a:spAutoFit/>
+          </a:bodyPr>
+          <a:lstStyle/>
+          <a:p>
+            <a:r>
+              <a:rPr lang="en-US" altLang="zh-TW" dirty="0">
+                <a:solidFill>
+                  <a:srgbClr val="7030A0"/>
+                </a:solidFill>
+              </a:rPr>
+              <a:t>import</a:t>
+            </a:r>
+            <a:r>
+              <a:rPr lang="en-US" altLang="zh-TW" dirty="0">
+                <a:solidFill>
+                  <a:schemeClr val="bg1"/>
+                </a:solidFill>
+              </a:rPr>
+              <a:t> </a:t>
+            </a:r>
+            <a:r>
+              <a:rPr lang="en-US" altLang="zh-TW" dirty="0" err="1">
+                <a:solidFill>
+                  <a:schemeClr val="bg1"/>
+                </a:solidFill>
+              </a:rPr>
+              <a:t>matplotlib.pyplot</a:t>
+            </a:r>
+            <a:r>
+              <a:rPr lang="en-US" altLang="zh-TW" dirty="0">
+                <a:solidFill>
+                  <a:schemeClr val="bg1"/>
+                </a:solidFill>
+              </a:rPr>
+              <a:t> </a:t>
+            </a:r>
+            <a:r>
+              <a:rPr lang="en-US" altLang="zh-TW" dirty="0">
+                <a:solidFill>
+                  <a:srgbClr val="7030A0"/>
+                </a:solidFill>
+              </a:rPr>
+              <a:t>as</a:t>
+            </a:r>
+            <a:r>
+              <a:rPr lang="en-US" altLang="zh-TW" dirty="0">
+                <a:solidFill>
+                  <a:schemeClr val="bg1"/>
+                </a:solidFill>
+              </a:rPr>
+              <a:t> </a:t>
+            </a:r>
+            <a:r>
+              <a:rPr lang="en-US" altLang="zh-TW" dirty="0" err="1">
+                <a:solidFill>
+                  <a:schemeClr val="bg1"/>
+                </a:solidFill>
+              </a:rPr>
+              <a:t>plt</a:t>
+            </a:r>
+            <a:endParaRPr lang="en-US" altLang="zh-TW" dirty="0">
+              <a:solidFill>
+                <a:schemeClr val="bg1"/>
+              </a:solidFill>
+            </a:endParaRPr>
+          </a:p>
+          <a:p>
+            <a:r>
+              <a:rPr lang="en-US" altLang="zh-TW" dirty="0">
+                <a:solidFill>
+                  <a:schemeClr val="bg1"/>
+                </a:solidFill>
+              </a:rPr>
+              <a:t>x = </a:t>
+            </a:r>
+            <a:r>
+              <a:rPr lang="en-US" altLang="zh-TW" dirty="0" smtClean="0">
+                <a:solidFill>
+                  <a:schemeClr val="bg1"/>
+                </a:solidFill>
+              </a:rPr>
+              <a:t>[</a:t>
+            </a:r>
+            <a:r>
+              <a:rPr lang="en-US" altLang="zh-TW" dirty="0" smtClean="0">
+                <a:solidFill>
+                  <a:srgbClr val="FFFF00"/>
+                </a:solidFill>
+              </a:rPr>
+              <a:t>2</a:t>
+            </a:r>
+            <a:r>
+              <a:rPr lang="en-US" altLang="zh-TW" dirty="0" smtClean="0">
+                <a:solidFill>
+                  <a:schemeClr val="bg1"/>
+                </a:solidFill>
+              </a:rPr>
+              <a:t>, </a:t>
+            </a:r>
+            <a:r>
+              <a:rPr lang="en-US" altLang="zh-TW" dirty="0" smtClean="0">
+                <a:solidFill>
+                  <a:srgbClr val="FFFF00"/>
+                </a:solidFill>
+              </a:rPr>
+              <a:t>0</a:t>
+            </a:r>
+            <a:r>
+              <a:rPr lang="en-US" altLang="zh-TW" dirty="0" smtClean="0">
+                <a:solidFill>
+                  <a:schemeClr val="bg1"/>
+                </a:solidFill>
+              </a:rPr>
+              <a:t>, </a:t>
+            </a:r>
+            <a:r>
+              <a:rPr lang="en-US" altLang="zh-TW" dirty="0" smtClean="0">
+                <a:solidFill>
+                  <a:srgbClr val="FFFF00"/>
+                </a:solidFill>
+              </a:rPr>
+              <a:t>2</a:t>
+            </a:r>
+            <a:r>
+              <a:rPr lang="en-US" altLang="zh-TW" dirty="0" smtClean="0">
+                <a:solidFill>
+                  <a:schemeClr val="bg1"/>
+                </a:solidFill>
+              </a:rPr>
+              <a:t>, </a:t>
+            </a:r>
+            <a:r>
+              <a:rPr lang="en-US" altLang="zh-TW" dirty="0" smtClean="0">
+                <a:solidFill>
+                  <a:srgbClr val="FFFF00"/>
+                </a:solidFill>
+              </a:rPr>
+              <a:t>1</a:t>
+            </a:r>
+            <a:r>
+              <a:rPr lang="en-US" altLang="zh-TW" dirty="0" smtClean="0">
+                <a:solidFill>
+                  <a:schemeClr val="bg1"/>
+                </a:solidFill>
+              </a:rPr>
+              <a:t>]</a:t>
+            </a:r>
+            <a:endParaRPr lang="en-US" altLang="zh-TW" dirty="0">
+              <a:solidFill>
+                <a:schemeClr val="bg1"/>
+              </a:solidFill>
+            </a:endParaRPr>
+          </a:p>
+          <a:p>
+            <a:r>
+              <a:rPr lang="en-US" altLang="zh-TW" dirty="0">
+                <a:solidFill>
+                  <a:schemeClr val="bg1"/>
+                </a:solidFill>
+              </a:rPr>
+              <a:t>y = </a:t>
+            </a:r>
+            <a:r>
+              <a:rPr lang="en-US" altLang="zh-TW" dirty="0" smtClean="0">
+                <a:solidFill>
+                  <a:schemeClr val="bg1"/>
+                </a:solidFill>
+              </a:rPr>
+              <a:t>[</a:t>
+            </a:r>
+            <a:r>
+              <a:rPr lang="en-US" altLang="zh-TW" dirty="0" smtClean="0">
+                <a:solidFill>
+                  <a:srgbClr val="FFFF00"/>
+                </a:solidFill>
+              </a:rPr>
+              <a:t>7</a:t>
+            </a:r>
+            <a:r>
+              <a:rPr lang="en-US" altLang="zh-TW" dirty="0" smtClean="0">
+                <a:solidFill>
+                  <a:schemeClr val="bg1"/>
+                </a:solidFill>
+              </a:rPr>
+              <a:t>, </a:t>
+            </a:r>
+            <a:r>
+              <a:rPr lang="en-US" altLang="zh-TW" dirty="0" smtClean="0">
+                <a:solidFill>
+                  <a:srgbClr val="FFFF00"/>
+                </a:solidFill>
+              </a:rPr>
+              <a:t>11</a:t>
+            </a:r>
+            <a:r>
+              <a:rPr lang="en-US" altLang="zh-TW" dirty="0" smtClean="0">
+                <a:solidFill>
+                  <a:schemeClr val="bg1"/>
+                </a:solidFill>
+              </a:rPr>
+              <a:t>, </a:t>
+            </a:r>
+            <a:r>
+              <a:rPr lang="en-US" altLang="zh-TW" dirty="0" smtClean="0">
+                <a:solidFill>
+                  <a:srgbClr val="FFFF00"/>
+                </a:solidFill>
+              </a:rPr>
+              <a:t>11</a:t>
+            </a:r>
+            <a:r>
+              <a:rPr lang="en-US" altLang="zh-TW" dirty="0" smtClean="0">
+                <a:solidFill>
+                  <a:schemeClr val="bg1"/>
+                </a:solidFill>
+              </a:rPr>
+              <a:t>, </a:t>
+            </a:r>
+            <a:r>
+              <a:rPr lang="en-US" altLang="zh-TW" dirty="0" smtClean="0">
+                <a:solidFill>
+                  <a:srgbClr val="FFFF00"/>
+                </a:solidFill>
+              </a:rPr>
+              <a:t>6</a:t>
+            </a:r>
+            <a:r>
+              <a:rPr lang="en-US" altLang="zh-TW" dirty="0" smtClean="0">
+                <a:solidFill>
+                  <a:schemeClr val="bg1"/>
+                </a:solidFill>
+              </a:rPr>
+              <a:t>]</a:t>
+            </a:r>
+            <a:endParaRPr lang="en-US" altLang="zh-TW" dirty="0">
+              <a:solidFill>
+                <a:schemeClr val="bg1"/>
+              </a:solidFill>
+            </a:endParaRPr>
+          </a:p>
+          <a:p>
+            <a:r>
+              <a:rPr lang="en-US" altLang="zh-TW" dirty="0" err="1">
+                <a:solidFill>
+                  <a:schemeClr val="bg1"/>
+                </a:solidFill>
+              </a:rPr>
+              <a:t>plt.plot</a:t>
+            </a:r>
+            <a:r>
+              <a:rPr lang="en-US" altLang="zh-TW" dirty="0">
+                <a:solidFill>
+                  <a:schemeClr val="bg1"/>
+                </a:solidFill>
+              </a:rPr>
+              <a:t>(x, y)</a:t>
+            </a:r>
+          </a:p>
+          <a:p>
+            <a:r>
+              <a:rPr lang="en-US" altLang="zh-TW" dirty="0" err="1">
+                <a:solidFill>
+                  <a:schemeClr val="bg1"/>
+                </a:solidFill>
+              </a:rPr>
+              <a:t>plt.show</a:t>
+            </a:r>
+            <a:r>
+              <a:rPr lang="en-US" altLang="zh-TW" dirty="0">
+                <a:solidFill>
+                  <a:schemeClr val="bg1"/>
+                </a:solidFill>
+              </a:rPr>
+              <a:t>()</a:t>
+            </a:r>
+            <a:endParaRPr lang="zh-TW" altLang="en-US" dirty="0">
+              <a:solidFill>
+                <a:schemeClr val="bg1"/>
+              </a:solidFill>
+            </a:endParaRPr>
+          </a:p>
+        </p:txBody>
+      </p:sp>
+      <p:pic>
+        <p:nvPicPr>
+          <p:cNvPr id="5" name="圖片 4"/>
+          <p:cNvPicPr>
+            <a:picLocks noChangeAspect="1"/>
+          </p:cNvPicPr>
+          <p:nvPr/>
+        </p:nvPicPr>
+        <p:blipFill>
+          <a:blip r:embed="rId2"/>
+          <a:stretch>
+            <a:fillRect/>
+          </a:stretch>
+        </p:blipFill>
+        <p:spPr>
+          <a:xfrm>
+            <a:off x="1115569" y="4363007"/>
+            <a:ext cx="2788920" cy="986849"/>
+          </a:xfrm>
+          <a:prstGeom prst="rect">
+            <a:avLst/>
+          </a:prstGeom>
+        </p:spPr>
+      </p:pic>
+      <p:sp>
+        <p:nvSpPr>
+          <p:cNvPr id="6" name="向上箭號 5"/>
+          <p:cNvSpPr/>
+          <p:nvPr/>
+        </p:nvSpPr>
+        <p:spPr>
+          <a:xfrm rot="19205874">
+            <a:off x="3115990" y="5136125"/>
+            <a:ext cx="157689" cy="427461"/>
+          </a:xfrm>
+          <a:prstGeom prst="upArrow">
+            <a:avLst/>
+          </a:prstGeom>
+          <a:solidFill>
+            <a:srgbClr val="FF0000"/>
+          </a:solidFill>
+          <a:ln>
+            <a:solidFill>
+              <a:srgbClr val="FF0000"/>
+            </a:solidFill>
+          </a:ln>
+        </p:spPr>
+        <p:style>
+          <a:lnRef idx="2">
+            <a:schemeClr val="accent1">
+              <a:shade val="50000"/>
+            </a:schemeClr>
+          </a:lnRef>
+          <a:fillRef idx="1">
+            <a:schemeClr val="accent1"/>
+          </a:fillRef>
+          <a:effectRef idx="0">
+            <a:schemeClr val="accent1"/>
+          </a:effectRef>
+          <a:fontRef idx="minor">
+            <a:schemeClr val="lt1"/>
+          </a:fontRef>
+        </p:style>
+        <p:txBody>
+          <a:bodyPr rtlCol="0" anchor="ctr"/>
+          <a:lstStyle/>
+          <a:p>
+            <a:pPr algn="ctr"/>
+            <a:endParaRPr lang="zh-TW" altLang="en-US"/>
+          </a:p>
+        </p:txBody>
+      </p:sp>
+      <p:pic>
+        <p:nvPicPr>
+          <p:cNvPr id="8" name="圖片 7"/>
+          <p:cNvPicPr>
+            <a:picLocks noChangeAspect="1"/>
+          </p:cNvPicPr>
+          <p:nvPr/>
+        </p:nvPicPr>
+        <p:blipFill>
+          <a:blip r:embed="rId3"/>
+          <a:stretch>
+            <a:fillRect/>
+          </a:stretch>
+        </p:blipFill>
+        <p:spPr>
+          <a:xfrm>
+            <a:off x="6374079" y="1733756"/>
+            <a:ext cx="5279796" cy="3830639"/>
+          </a:xfrm>
+          <a:prstGeom prst="rect">
+            <a:avLst/>
+          </a:prstGeom>
+        </p:spPr>
+      </p:pic>
+      <p:sp>
+        <p:nvSpPr>
+          <p:cNvPr id="9" name="文字方塊 8"/>
+          <p:cNvSpPr txBox="1"/>
+          <p:nvPr/>
+        </p:nvSpPr>
+        <p:spPr>
+          <a:xfrm>
+            <a:off x="777240" y="6041363"/>
+            <a:ext cx="1069524" cy="369332"/>
+          </a:xfrm>
+          <a:prstGeom prst="rect">
+            <a:avLst/>
+          </a:prstGeom>
+          <a:noFill/>
+        </p:spPr>
+        <p:txBody>
+          <a:bodyPr wrap="none" rtlCol="0">
+            <a:spAutoFit/>
+          </a:bodyPr>
+          <a:lstStyle/>
+          <a:p>
+            <a:r>
+              <a:rPr lang="en-US" altLang="zh-TW" dirty="0" smtClean="0">
+                <a:solidFill>
+                  <a:srgbClr val="FF0000"/>
+                </a:solidFill>
+              </a:rPr>
+              <a:t>m0_1.py</a:t>
+            </a:r>
+            <a:endParaRPr lang="zh-TW" altLang="en-US" dirty="0">
+              <a:solidFill>
+                <a:srgbClr val="FF0000"/>
+              </a:solidFill>
+            </a:endParaRPr>
+          </a:p>
+        </p:txBody>
+      </p:sp>
+    </p:spTree>
+    <p:extLst>
+      <p:ext uri="{BB962C8B-B14F-4D97-AF65-F5344CB8AC3E}">
+        <p14:creationId xmlns:p14="http://schemas.microsoft.com/office/powerpoint/2010/main" val="661001255"/>
+      </p:ext>
+    </p:extLst>
+  </p:cSld>
+  <p:clrMapOvr>
+    <a:masterClrMapping/>
+  </p:clrMapOvr>
+  <p:timing>
+    <p:tnLst>
+      <p:par>
+        <p:cTn id="1" dur="indefinite" restart="never" nodeType="tmRoot"/>
+      </p:par>
+    </p:tnLst>
+  </p:timing>
+</p:sld>
+</file>
+
+<file path=ppt/slides/slide11.xml><?xml version="1.0" encoding="utf-8"?>
+<p:sld xmlns:a="http://schemas.openxmlformats.org/drawingml/2006/main" xmlns:r="http://schemas.openxmlformats.org/officeDocument/2006/relationships" xmlns:p="http://schemas.openxmlformats.org/presentationml/2006/main">
+  <p:cSld>
+    <p:spTree>
+      <p:nvGrpSpPr>
+        <p:cNvPr id="1" name=""/>
+        <p:cNvGrpSpPr/>
+        <p:nvPr/>
+      </p:nvGrpSpPr>
+      <p:grpSpPr>
+        <a:xfrm>
+          <a:off x="0" y="0"/>
+          <a:ext cx="0" cy="0"/>
+          <a:chOff x="0" y="0"/>
+          <a:chExt cx="0" cy="0"/>
+        </a:xfrm>
+      </p:grpSpPr>
+      <p:sp>
+        <p:nvSpPr>
+          <p:cNvPr id="2" name="標題 1"/>
+          <p:cNvSpPr>
+            <a:spLocks noGrp="1"/>
+          </p:cNvSpPr>
+          <p:nvPr>
+            <p:ph type="title"/>
+          </p:nvPr>
+        </p:nvSpPr>
+        <p:spPr/>
+        <p:txBody>
+          <a:bodyPr/>
+          <a:lstStyle/>
+          <a:p>
+            <a:r>
+              <a:rPr lang="zh-TW" altLang="en-US" dirty="0" smtClean="0"/>
               <a:t>程式碼解說</a:t>
             </a:r>
             <a:endParaRPr lang="zh-TW" altLang="en-US" dirty="0"/>
@@ -6883,7 +7467,7 @@
 </p:sld>
 </file>
 
-<file path=ppt/slides/slide11.xml><?xml version="1.0" encoding="utf-8"?>
+<file path=ppt/slides/slide12.xml><?xml version="1.0" encoding="utf-8"?>
 <p:sld xmlns:a="http://schemas.openxmlformats.org/drawingml/2006/main" xmlns:r="http://schemas.openxmlformats.org/officeDocument/2006/relationships" xmlns:p="http://schemas.openxmlformats.org/presentationml/2006/main">
   <p:cSld>
     <p:spTree>
@@ -7058,6 +7642,117 @@
                 </a:solidFill>
               </a:rPr>
               <a:t>m0_2.py</a:t>
+            </a:r>
+            <a:endParaRPr lang="zh-TW" altLang="en-US" dirty="0">
+              <a:solidFill>
+                <a:srgbClr val="FF0000"/>
+              </a:solidFill>
+            </a:endParaRPr>
+          </a:p>
+        </p:txBody>
+      </p:sp>
+      <p:sp>
+        <p:nvSpPr>
+          <p:cNvPr id="4" name="矩形圖說文字 3"/>
+          <p:cNvSpPr/>
+          <p:nvPr/>
+        </p:nvSpPr>
+        <p:spPr>
+          <a:xfrm>
+            <a:off x="5173819" y="5793745"/>
+            <a:ext cx="2571150" cy="893507"/>
+          </a:xfrm>
+          <a:prstGeom prst="wedgeRectCallout">
+            <a:avLst>
+              <a:gd name="adj1" fmla="val -64012"/>
+              <a:gd name="adj2" fmla="val -126826"/>
+            </a:avLst>
+          </a:prstGeom>
+        </p:spPr>
+        <p:style>
+          <a:lnRef idx="2">
+            <a:schemeClr val="accent1">
+              <a:shade val="50000"/>
+            </a:schemeClr>
+          </a:lnRef>
+          <a:fillRef idx="1">
+            <a:schemeClr val="accent1"/>
+          </a:fillRef>
+          <a:effectRef idx="0">
+            <a:schemeClr val="accent1"/>
+          </a:effectRef>
+          <a:fontRef idx="minor">
+            <a:schemeClr val="lt1"/>
+          </a:fontRef>
+        </p:style>
+        <p:txBody>
+          <a:bodyPr rtlCol="0" anchor="ctr"/>
+          <a:lstStyle/>
+          <a:p>
+            <a:pPr algn="ctr"/>
+            <a:r>
+              <a:rPr lang="zh-TW" altLang="en-US" dirty="0" smtClean="0">
+                <a:solidFill>
+                  <a:srgbClr val="FF0000"/>
+                </a:solidFill>
+              </a:rPr>
+              <a:t>在</a:t>
+            </a:r>
+            <a:r>
+              <a:rPr lang="en-US" altLang="zh-TW" dirty="0" smtClean="0">
+                <a:solidFill>
+                  <a:srgbClr val="FF0000"/>
+                </a:solidFill>
+              </a:rPr>
+              <a:t>1x2</a:t>
+            </a:r>
+            <a:r>
+              <a:rPr lang="zh-TW" altLang="en-US" dirty="0" smtClean="0">
+                <a:solidFill>
+                  <a:srgbClr val="FF0000"/>
+                </a:solidFill>
+              </a:rPr>
+              <a:t>的表格布置中的第</a:t>
+            </a:r>
+            <a:r>
+              <a:rPr lang="en-US" altLang="zh-TW" dirty="0" smtClean="0">
+                <a:solidFill>
+                  <a:srgbClr val="FF0000"/>
+                </a:solidFill>
+              </a:rPr>
+              <a:t>1</a:t>
+            </a:r>
+            <a:r>
+              <a:rPr lang="zh-TW" altLang="en-US" dirty="0" smtClean="0">
+                <a:solidFill>
+                  <a:srgbClr val="FF0000"/>
+                </a:solidFill>
+              </a:rPr>
+              <a:t>與第</a:t>
+            </a:r>
+            <a:r>
+              <a:rPr lang="en-US" altLang="zh-TW" dirty="0" smtClean="0">
+                <a:solidFill>
+                  <a:srgbClr val="FF0000"/>
+                </a:solidFill>
+              </a:rPr>
+              <a:t>2</a:t>
+            </a:r>
+            <a:r>
+              <a:rPr lang="zh-TW" altLang="en-US" dirty="0" smtClean="0">
+                <a:solidFill>
+                  <a:srgbClr val="FF0000"/>
+                </a:solidFill>
+              </a:rPr>
+              <a:t>個位置的</a:t>
+            </a:r>
+            <a:r>
+              <a:rPr lang="en-US" altLang="zh-TW" dirty="0" smtClean="0">
+                <a:solidFill>
+                  <a:srgbClr val="FF0000"/>
+                </a:solidFill>
+              </a:rPr>
+              <a:t>axes</a:t>
             </a:r>
             <a:endParaRPr lang="zh-TW" altLang="en-US" dirty="0">
               <a:solidFill>
@@ -7209,7 +7904,240 @@
 </p:sld>
 </file>
 
-<file path=ppt/slides/slide12.xml><?xml version="1.0" encoding="utf-8"?>
+<file path=ppt/slides/slide13.xml><?xml version="1.0" encoding="utf-8"?>
+<p:sld xmlns:a="http://schemas.openxmlformats.org/drawingml/2006/main" xmlns:r="http://schemas.openxmlformats.org/officeDocument/2006/relationships" xmlns:p="http://schemas.openxmlformats.org/presentationml/2006/main">
+  <p:cSld>
+    <p:spTree>
+      <p:nvGrpSpPr>
+        <p:cNvPr id="1" name=""/>
+        <p:cNvGrpSpPr/>
+        <p:nvPr/>
+      </p:nvGrpSpPr>
+      <p:grpSpPr>
+        <a:xfrm>
+          <a:off x="0" y="0"/>
+          <a:ext cx="0" cy="0"/>
+          <a:chOff x="0" y="0"/>
+          <a:chExt cx="0" cy="0"/>
+        </a:xfrm>
+      </p:grpSpPr>
+      <p:sp>
+        <p:nvSpPr>
+          <p:cNvPr id="2" name="標題 1"/>
+          <p:cNvSpPr>
+            <a:spLocks noGrp="1"/>
+          </p:cNvSpPr>
+          <p:nvPr>
+            <p:ph type="title"/>
+          </p:nvPr>
+        </p:nvSpPr>
+        <p:spPr/>
+        <p:txBody>
+          <a:bodyPr/>
+          <a:lstStyle/>
+          <a:p>
+            <a:r>
+              <a:rPr lang="zh-TW" altLang="en-US" dirty="0"/>
+              <a:t>程式碼解說</a:t>
+            </a:r>
+          </a:p>
+        </p:txBody>
+      </p:sp>
+      <p:sp>
+        <p:nvSpPr>
+          <p:cNvPr id="3" name="內容版面配置區 2"/>
+          <p:cNvSpPr>
+            <a:spLocks noGrp="1"/>
+          </p:cNvSpPr>
+          <p:nvPr>
+            <p:ph idx="1"/>
+          </p:nvPr>
+        </p:nvSpPr>
+        <p:spPr/>
+        <p:txBody>
+          <a:bodyPr/>
+          <a:lstStyle/>
+          <a:p>
+            <a:r>
+              <a:rPr lang="en-US" altLang="zh-TW" dirty="0" smtClean="0"/>
+              <a:t>X2=[x for x in range(8)]</a:t>
+            </a:r>
+          </a:p>
+          <a:p>
+            <a:pPr lvl="1"/>
+            <a:r>
+              <a:rPr lang="zh-TW" altLang="en-US" dirty="0"/>
+              <a:t>這是</a:t>
+            </a:r>
+            <a:r>
+              <a:rPr lang="en-US" altLang="zh-TW" dirty="0"/>
+              <a:t>Python</a:t>
+            </a:r>
+            <a:r>
+              <a:rPr lang="zh-TW" altLang="en-US" dirty="0" smtClean="0"/>
+              <a:t>的串列生成</a:t>
+            </a:r>
+            <a:r>
+              <a:rPr lang="zh-TW" altLang="en-US" dirty="0"/>
+              <a:t>式</a:t>
+            </a:r>
+            <a:r>
+              <a:rPr lang="zh-TW" altLang="en-US" dirty="0" smtClean="0"/>
+              <a:t>，產生一組</a:t>
+            </a:r>
+            <a:r>
+              <a:rPr lang="en-US" altLang="zh-TW" dirty="0" smtClean="0"/>
+              <a:t>0~7</a:t>
+            </a:r>
+            <a:r>
+              <a:rPr lang="zh-TW" altLang="en-US" dirty="0" smtClean="0"/>
+              <a:t>的</a:t>
+            </a:r>
+            <a:r>
+              <a:rPr lang="en-US" altLang="zh-TW" dirty="0" smtClean="0"/>
+              <a:t>8</a:t>
+            </a:r>
+            <a:r>
+              <a:rPr lang="zh-TW" altLang="en-US" dirty="0" smtClean="0"/>
+              <a:t>個數字</a:t>
+            </a:r>
+            <a:endParaRPr lang="en-US" altLang="zh-TW" dirty="0" smtClean="0"/>
+          </a:p>
+          <a:p>
+            <a:pPr lvl="1"/>
+            <a:r>
+              <a:rPr lang="zh-TW" altLang="en-US" dirty="0"/>
+              <a:t>也就是</a:t>
+            </a:r>
+            <a:r>
+              <a:rPr lang="en-US" altLang="zh-TW" dirty="0"/>
+              <a:t>[</a:t>
+            </a:r>
+            <a:r>
+              <a:rPr lang="en-US" altLang="zh-TW" dirty="0" smtClean="0"/>
+              <a:t>0,1,2,3,4,5,6,7]</a:t>
+            </a:r>
+          </a:p>
+          <a:p>
+            <a:r>
+              <a:rPr lang="en-US" altLang="zh-TW" dirty="0" smtClean="0"/>
+              <a:t>Y2=[y**2 for y in range(8)]</a:t>
+            </a:r>
+          </a:p>
+          <a:p>
+            <a:pPr lvl="1"/>
+            <a:r>
+              <a:rPr lang="zh-TW" altLang="en-US" dirty="0"/>
+              <a:t>這是</a:t>
+            </a:r>
+            <a:r>
+              <a:rPr lang="en-US" altLang="zh-TW" dirty="0"/>
+              <a:t>Python</a:t>
+            </a:r>
+            <a:r>
+              <a:rPr lang="zh-TW" altLang="en-US" dirty="0"/>
+              <a:t>的串列生成式，產生一組</a:t>
+            </a:r>
+            <a:r>
+              <a:rPr lang="en-US" altLang="zh-TW" dirty="0"/>
+              <a:t>0~7</a:t>
+            </a:r>
+            <a:r>
+              <a:rPr lang="zh-TW" altLang="en-US" dirty="0"/>
+              <a:t>的</a:t>
+            </a:r>
+            <a:r>
+              <a:rPr lang="en-US" altLang="zh-TW" dirty="0"/>
+              <a:t>8</a:t>
+            </a:r>
+            <a:r>
+              <a:rPr lang="zh-TW" altLang="en-US" dirty="0"/>
+              <a:t>個</a:t>
+            </a:r>
+            <a:r>
+              <a:rPr lang="zh-TW" altLang="en-US" dirty="0" smtClean="0"/>
+              <a:t>數字的平方</a:t>
+            </a:r>
+            <a:endParaRPr lang="en-US" altLang="zh-TW" dirty="0" smtClean="0"/>
+          </a:p>
+          <a:p>
+            <a:pPr lvl="1"/>
+            <a:r>
+              <a:rPr lang="zh-TW" altLang="en-US" dirty="0" smtClean="0"/>
+              <a:t>也就是</a:t>
+            </a:r>
+            <a:r>
+              <a:rPr lang="en-US" altLang="zh-TW" dirty="0" smtClean="0"/>
+              <a:t>[0,1,4,9,16,25,36,49]</a:t>
+            </a:r>
+            <a:endParaRPr lang="en-US" altLang="zh-TW" dirty="0"/>
+          </a:p>
+          <a:p>
+            <a:r>
+              <a:rPr lang="en-US" altLang="zh-TW" dirty="0"/>
+              <a:t>axes1 = </a:t>
+            </a:r>
+            <a:r>
+              <a:rPr lang="en-US" altLang="zh-TW" dirty="0" err="1"/>
+              <a:t>figure.add_subplot</a:t>
+            </a:r>
+            <a:r>
+              <a:rPr lang="en-US" altLang="zh-TW" dirty="0"/>
+              <a:t>(1,2,1</a:t>
+            </a:r>
+            <a:r>
+              <a:rPr lang="en-US" altLang="zh-TW" dirty="0" smtClean="0"/>
+              <a:t>)</a:t>
+            </a:r>
+          </a:p>
+          <a:p>
+            <a:pPr lvl="1"/>
+            <a:r>
+              <a:rPr lang="zh-TW" altLang="en-US" dirty="0" smtClean="0"/>
+              <a:t>指定在</a:t>
+            </a:r>
+            <a:r>
+              <a:rPr lang="en-US" altLang="zh-TW" dirty="0" smtClean="0"/>
+              <a:t>1x2</a:t>
+            </a:r>
+            <a:r>
+              <a:rPr lang="zh-TW" altLang="en-US" dirty="0"/>
+              <a:t>的布置</a:t>
+            </a:r>
+            <a:r>
+              <a:rPr lang="zh-TW" altLang="en-US" dirty="0" smtClean="0"/>
+              <a:t>中加入第</a:t>
+            </a:r>
+            <a:r>
+              <a:rPr lang="en-US" altLang="zh-TW" dirty="0"/>
+              <a:t>1</a:t>
+            </a:r>
+            <a:r>
+              <a:rPr lang="zh-TW" altLang="en-US" dirty="0"/>
+              <a:t>個</a:t>
+            </a:r>
+            <a:r>
+              <a:rPr lang="en-US" altLang="zh-TW" dirty="0"/>
+              <a:t>axes</a:t>
+            </a:r>
+            <a:endParaRPr lang="zh-TW" altLang="en-US" dirty="0"/>
+          </a:p>
+        </p:txBody>
+      </p:sp>
+    </p:spTree>
+    <p:extLst>
+      <p:ext uri="{BB962C8B-B14F-4D97-AF65-F5344CB8AC3E}">
+        <p14:creationId xmlns:p14="http://schemas.microsoft.com/office/powerpoint/2010/main" val="816287554"/>
+      </p:ext>
+    </p:extLst>
+  </p:cSld>
+  <p:clrMapOvr>
+    <a:masterClrMapping/>
+  </p:clrMapOvr>
+</p:sld>
+</file>
+
+<file path=ppt/slides/slide14.xml><?xml version="1.0" encoding="utf-8"?>
 <p:sld xmlns:a="http://schemas.openxmlformats.org/drawingml/2006/main" xmlns:r="http://schemas.openxmlformats.org/officeDocument/2006/relationships" xmlns:p="http://schemas.openxmlformats.org/presentationml/2006/main">
   <p:cSld>
     <p:spTree>
@@ -9806,7 +10734,7 @@
 </p:sld>
 </file>
 
-<file path=ppt/slides/slide13.xml><?xml version="1.0" encoding="utf-8"?>
+<file path=ppt/slides/slide15.xml><?xml version="1.0" encoding="utf-8"?>
 <p:sld xmlns:a="http://schemas.openxmlformats.org/drawingml/2006/main" xmlns:r="http://schemas.openxmlformats.org/officeDocument/2006/relationships" xmlns:p="http://schemas.openxmlformats.org/presentationml/2006/main">
   <p:cSld>
     <p:spTree>
@@ -10037,7 +10965,7 @@
 </p:sld>
 </file>
 
-<file path=ppt/slides/slide14.xml><?xml version="1.0" encoding="utf-8"?>
+<file path=ppt/slides/slide16.xml><?xml version="1.0" encoding="utf-8"?>
 <p:sld xmlns:a="http://schemas.openxmlformats.org/drawingml/2006/main" xmlns:r="http://schemas.openxmlformats.org/officeDocument/2006/relationships" xmlns:p="http://schemas.openxmlformats.org/presentationml/2006/main">
   <p:cSld>
     <p:spTree>
@@ -10283,7 +11211,7 @@
 </p:sld>
 </file>
 
-<file path=ppt/slides/slide15.xml><?xml version="1.0" encoding="utf-8"?>
+<file path=ppt/slides/slide17.xml><?xml version="1.0" encoding="utf-8"?>
 <p:sld xmlns:a="http://schemas.openxmlformats.org/drawingml/2006/main" xmlns:r="http://schemas.openxmlformats.org/officeDocument/2006/relationships" xmlns:p="http://schemas.openxmlformats.org/presentationml/2006/main">
   <p:cSld>
     <p:spTree>
@@ -10697,7 +11625,7 @@
 </p:sld>
 </file>
 
-<file path=ppt/slides/slide16.xml><?xml version="1.0" encoding="utf-8"?>
+<file path=ppt/slides/slide18.xml><?xml version="1.0" encoding="utf-8"?>
 <p:sld xmlns:a="http://schemas.openxmlformats.org/drawingml/2006/main" xmlns:r="http://schemas.openxmlformats.org/officeDocument/2006/relationships" xmlns:p="http://schemas.openxmlformats.org/presentationml/2006/main">
   <p:cSld>
     <p:spTree>
@@ -10940,7 +11868,7 @@
 </p:sld>
 </file>
 
-<file path=ppt/slides/slide17.xml><?xml version="1.0" encoding="utf-8"?>
+<file path=ppt/slides/slide19.xml><?xml version="1.0" encoding="utf-8"?>
 <p:sld xmlns:a="http://schemas.openxmlformats.org/drawingml/2006/main" xmlns:r="http://schemas.openxmlformats.org/officeDocument/2006/relationships" xmlns:p="http://schemas.openxmlformats.org/presentationml/2006/main">
   <p:cSld>
     <p:spTree>
@@ -11127,7 +12055,206 @@
 </p:sld>
 </file>
 
-<file path=ppt/slides/slide18.xml><?xml version="1.0" encoding="utf-8"?>
+<file path=ppt/slides/slide2.xml><?xml version="1.0" encoding="utf-8"?>
+<p:sld xmlns:a="http://schemas.openxmlformats.org/drawingml/2006/main" xmlns:r="http://schemas.openxmlformats.org/officeDocument/2006/relationships" xmlns:p="http://schemas.openxmlformats.org/presentationml/2006/main">
+  <p:cSld>
+    <p:spTree>
+      <p:nvGrpSpPr>
+        <p:cNvPr id="1" name=""/>
+        <p:cNvGrpSpPr/>
+        <p:nvPr/>
+      </p:nvGrpSpPr>
+      <p:grpSpPr>
+        <a:xfrm>
+          <a:off x="0" y="0"/>
+          <a:ext cx="0" cy="0"/>
+          <a:chOff x="0" y="0"/>
+          <a:chExt cx="0" cy="0"/>
+        </a:xfrm>
+      </p:grpSpPr>
+      <p:sp>
+        <p:nvSpPr>
+          <p:cNvPr id="2" name="標題 1"/>
+          <p:cNvSpPr>
+            <a:spLocks noGrp="1"/>
+          </p:cNvSpPr>
+          <p:nvPr>
+            <p:ph type="title"/>
+          </p:nvPr>
+        </p:nvSpPr>
+        <p:spPr/>
+        <p:txBody>
+          <a:bodyPr/>
+          <a:lstStyle/>
+          <a:p>
+            <a:r>
+              <a:rPr lang="zh-TW" altLang="en-US" dirty="0" smtClean="0"/>
+              <a:t>關於</a:t>
+            </a:r>
+            <a:r>
+              <a:rPr lang="en-US" altLang="zh-TW" dirty="0" err="1" smtClean="0"/>
+              <a:t>matplotlib</a:t>
+            </a:r>
+            <a:r>
+              <a:rPr lang="zh-TW" altLang="en-US" dirty="0" smtClean="0"/>
+              <a:t>擴充模組</a:t>
+            </a:r>
+            <a:endParaRPr lang="zh-TW" altLang="en-US" dirty="0"/>
+          </a:p>
+        </p:txBody>
+      </p:sp>
+      <p:sp>
+        <p:nvSpPr>
+          <p:cNvPr id="3" name="內容版面配置區 2"/>
+          <p:cNvSpPr>
+            <a:spLocks noGrp="1"/>
+          </p:cNvSpPr>
+          <p:nvPr>
+            <p:ph idx="1"/>
+          </p:nvPr>
+        </p:nvSpPr>
+        <p:spPr/>
+        <p:txBody>
+          <a:bodyPr/>
+          <a:lstStyle/>
+          <a:p>
+            <a:r>
+              <a:rPr lang="zh-TW" altLang="en-US" dirty="0"/>
+              <a:t>最初由</a:t>
+            </a:r>
+            <a:r>
+              <a:rPr lang="en-US" altLang="zh-TW" dirty="0"/>
+              <a:t>John D. </a:t>
+            </a:r>
+            <a:r>
+              <a:rPr lang="en-US" altLang="zh-TW" dirty="0" smtClean="0"/>
+              <a:t>Hunter(2012</a:t>
+            </a:r>
+            <a:r>
+              <a:rPr lang="zh-TW" altLang="en-US" dirty="0" smtClean="0"/>
+              <a:t>去世</a:t>
+            </a:r>
+            <a:r>
+              <a:rPr lang="en-US" altLang="zh-TW" dirty="0" smtClean="0"/>
+              <a:t>)</a:t>
+            </a:r>
+            <a:r>
+              <a:rPr lang="zh-TW" altLang="en-US" dirty="0" smtClean="0"/>
+              <a:t>撰寫。版本上次看到最新版是</a:t>
+            </a:r>
+            <a:r>
+              <a:rPr lang="en-US" altLang="zh-TW" dirty="0" smtClean="0"/>
+              <a:t>3.4.2</a:t>
+            </a:r>
+          </a:p>
+          <a:p>
+            <a:pPr lvl="1"/>
+            <a:r>
+              <a:rPr lang="zh-TW" altLang="en-US" dirty="0"/>
+              <a:t>不是安裝最新版就好</a:t>
+            </a:r>
+            <a:r>
+              <a:rPr lang="zh-TW" altLang="en-US" dirty="0" smtClean="0"/>
+              <a:t>！他有版本匹配問題，所以用</a:t>
+            </a:r>
+            <a:r>
+              <a:rPr lang="en-US" altLang="zh-TW" dirty="0" smtClean="0"/>
+              <a:t>Anaconda</a:t>
+            </a:r>
+            <a:r>
+              <a:rPr lang="zh-TW" altLang="en-US" dirty="0" smtClean="0"/>
+              <a:t>很方便！</a:t>
+            </a:r>
+            <a:endParaRPr lang="en-US" altLang="zh-TW" dirty="0" smtClean="0"/>
+          </a:p>
+          <a:p>
+            <a:r>
+              <a:rPr lang="en-US" altLang="zh-TW" dirty="0" err="1" smtClean="0"/>
+              <a:t>matplotlib</a:t>
+            </a:r>
+            <a:r>
+              <a:rPr lang="zh-TW" altLang="en-US" dirty="0"/>
+              <a:t>是</a:t>
+            </a:r>
+            <a:r>
+              <a:rPr lang="en-US" altLang="zh-TW" dirty="0"/>
+              <a:t>Python</a:t>
+            </a:r>
+            <a:r>
+              <a:rPr lang="zh-TW" altLang="en-US" dirty="0"/>
+              <a:t>程式語言及其數值數學擴展包 </a:t>
+            </a:r>
+            <a:r>
+              <a:rPr lang="en-US" altLang="zh-TW" dirty="0" err="1"/>
+              <a:t>NumPy</a:t>
+            </a:r>
+            <a:r>
+              <a:rPr lang="zh-TW" altLang="en-US" dirty="0"/>
+              <a:t>的可視化操作界面</a:t>
+            </a:r>
+            <a:r>
+              <a:rPr lang="zh-TW" altLang="en-US" dirty="0" smtClean="0"/>
+              <a:t>。</a:t>
+            </a:r>
+            <a:endParaRPr lang="en-US" altLang="zh-TW" dirty="0" smtClean="0"/>
+          </a:p>
+          <a:p>
+            <a:r>
+              <a:rPr lang="en-US" altLang="zh-TW" dirty="0" err="1"/>
+              <a:t>SciPy</a:t>
+            </a:r>
+            <a:r>
+              <a:rPr lang="zh-TW" altLang="en-US" dirty="0"/>
+              <a:t>就是用</a:t>
+            </a:r>
+            <a:r>
+              <a:rPr lang="en-US" altLang="zh-TW" dirty="0" err="1"/>
+              <a:t>matplotlib</a:t>
+            </a:r>
+            <a:r>
+              <a:rPr lang="zh-TW" altLang="en-US" dirty="0"/>
+              <a:t>進行圖形繪製</a:t>
+            </a:r>
+            <a:r>
+              <a:rPr lang="zh-TW" altLang="en-US" dirty="0" smtClean="0"/>
+              <a:t>。</a:t>
+            </a:r>
+            <a:endParaRPr lang="en-US" altLang="zh-TW" dirty="0" smtClean="0"/>
+          </a:p>
+          <a:p>
+            <a:r>
+              <a:rPr lang="zh-TW" altLang="en-US" dirty="0"/>
+              <a:t>完全支援二維影象，有限支援三維</a:t>
+            </a:r>
+            <a:r>
+              <a:rPr lang="zh-TW" altLang="en-US" dirty="0" smtClean="0"/>
+              <a:t>圖形。</a:t>
+            </a:r>
+            <a:endParaRPr lang="zh-TW" altLang="en-US" dirty="0"/>
+          </a:p>
+        </p:txBody>
+      </p:sp>
+    </p:spTree>
+    <p:extLst>
+      <p:ext uri="{BB962C8B-B14F-4D97-AF65-F5344CB8AC3E}">
+        <p14:creationId xmlns:p14="http://schemas.microsoft.com/office/powerpoint/2010/main" val="4027991949"/>
+      </p:ext>
+    </p:extLst>
+  </p:cSld>
+  <p:clrMapOvr>
+    <a:masterClrMapping/>
+  </p:clrMapOvr>
+  <p:timing>
+    <p:tnLst>
+      <p:par>
+        <p:cTn id="1" dur="indefinite" restart="never" nodeType="tmRoot"/>
+      </p:par>
+    </p:tnLst>
+  </p:timing>
+</p:sld>
+</file>
+
+<file path=ppt/slides/slide20.xml><?xml version="1.0" encoding="utf-8"?>
 <p:sld xmlns:a="http://schemas.openxmlformats.org/drawingml/2006/main" xmlns:r="http://schemas.openxmlformats.org/officeDocument/2006/relationships" xmlns:p="http://schemas.openxmlformats.org/presentationml/2006/main">
   <p:cSld>
     <p:spTree>
@@ -11662,7 +12789,7 @@
 </p:sld>
 </file>
 
-<file path=ppt/slides/slide19.xml><?xml version="1.0" encoding="utf-8"?>
+<file path=ppt/slides/slide21.xml><?xml version="1.0" encoding="utf-8"?>
 <p:sld xmlns:a="http://schemas.openxmlformats.org/drawingml/2006/main" xmlns:r="http://schemas.openxmlformats.org/officeDocument/2006/relationships" xmlns:p="http://schemas.openxmlformats.org/presentationml/2006/main">
   <p:cSld>
     <p:spTree>
@@ -12361,206 +13488,7 @@
 </p:sld>
 </file>
 
-<file path=ppt/slides/slide2.xml><?xml version="1.0" encoding="utf-8"?>
-<p:sld xmlns:a="http://schemas.openxmlformats.org/drawingml/2006/main" xmlns:r="http://schemas.openxmlformats.org/officeDocument/2006/relationships" xmlns:p="http://schemas.openxmlformats.org/presentationml/2006/main">
-  <p:cSld>
-    <p:spTree>
-      <p:nvGrpSpPr>
-        <p:cNvPr id="1" name=""/>
-        <p:cNvGrpSpPr/>
-        <p:nvPr/>
-      </p:nvGrpSpPr>
-      <p:grpSpPr>
-        <a:xfrm>
-          <a:off x="0" y="0"/>
-          <a:ext cx="0" cy="0"/>
-          <a:chOff x="0" y="0"/>
-          <a:chExt cx="0" cy="0"/>
-        </a:xfrm>
-      </p:grpSpPr>
-      <p:sp>
-        <p:nvSpPr>
-          <p:cNvPr id="2" name="標題 1"/>
-          <p:cNvSpPr>
-            <a:spLocks noGrp="1"/>
-          </p:cNvSpPr>
-          <p:nvPr>
-            <p:ph type="title"/>
-          </p:nvPr>
-        </p:nvSpPr>
-        <p:spPr/>
-        <p:txBody>
-          <a:bodyPr/>
-          <a:lstStyle/>
-          <a:p>
-            <a:r>
-              <a:rPr lang="zh-TW" altLang="en-US" dirty="0" smtClean="0"/>
-              <a:t>關於</a:t>
-            </a:r>
-            <a:r>
-              <a:rPr lang="en-US" altLang="zh-TW" dirty="0" err="1" smtClean="0"/>
-              <a:t>matplotlib</a:t>
-            </a:r>
-            <a:r>
-              <a:rPr lang="zh-TW" altLang="en-US" dirty="0" smtClean="0"/>
-              <a:t>擴充模組</a:t>
-            </a:r>
-            <a:endParaRPr lang="zh-TW" altLang="en-US" dirty="0"/>
-          </a:p>
-        </p:txBody>
-      </p:sp>
-      <p:sp>
-        <p:nvSpPr>
-          <p:cNvPr id="3" name="內容版面配置區 2"/>
-          <p:cNvSpPr>
-            <a:spLocks noGrp="1"/>
-          </p:cNvSpPr>
-          <p:nvPr>
-            <p:ph idx="1"/>
-          </p:nvPr>
-        </p:nvSpPr>
-        <p:spPr/>
-        <p:txBody>
-          <a:bodyPr/>
-          <a:lstStyle/>
-          <a:p>
-            <a:r>
-              <a:rPr lang="zh-TW" altLang="en-US" dirty="0"/>
-              <a:t>最初由</a:t>
-            </a:r>
-            <a:r>
-              <a:rPr lang="en-US" altLang="zh-TW" dirty="0"/>
-              <a:t>John D. </a:t>
-            </a:r>
-            <a:r>
-              <a:rPr lang="en-US" altLang="zh-TW" dirty="0" smtClean="0"/>
-              <a:t>Hunter(2012</a:t>
-            </a:r>
-            <a:r>
-              <a:rPr lang="zh-TW" altLang="en-US" dirty="0" smtClean="0"/>
-              <a:t>去世</a:t>
-            </a:r>
-            <a:r>
-              <a:rPr lang="en-US" altLang="zh-TW" dirty="0" smtClean="0"/>
-              <a:t>)</a:t>
-            </a:r>
-            <a:r>
-              <a:rPr lang="zh-TW" altLang="en-US" dirty="0" smtClean="0"/>
-              <a:t>撰寫。版本上次看到最新版是</a:t>
-            </a:r>
-            <a:r>
-              <a:rPr lang="en-US" altLang="zh-TW" dirty="0" smtClean="0"/>
-              <a:t>3.4.2</a:t>
-            </a:r>
-          </a:p>
-          <a:p>
-            <a:pPr lvl="1"/>
-            <a:r>
-              <a:rPr lang="zh-TW" altLang="en-US" dirty="0"/>
-              <a:t>不是安裝最新版就好</a:t>
-            </a:r>
-            <a:r>
-              <a:rPr lang="zh-TW" altLang="en-US" dirty="0" smtClean="0"/>
-              <a:t>！他有版本匹配問題，所以用</a:t>
-            </a:r>
-            <a:r>
-              <a:rPr lang="en-US" altLang="zh-TW" dirty="0" smtClean="0"/>
-              <a:t>Anaconda</a:t>
-            </a:r>
-            <a:r>
-              <a:rPr lang="zh-TW" altLang="en-US" dirty="0" smtClean="0"/>
-              <a:t>很方便！</a:t>
-            </a:r>
-            <a:endParaRPr lang="en-US" altLang="zh-TW" dirty="0" smtClean="0"/>
-          </a:p>
-          <a:p>
-            <a:r>
-              <a:rPr lang="en-US" altLang="zh-TW" dirty="0" err="1" smtClean="0"/>
-              <a:t>matplotlib</a:t>
-            </a:r>
-            <a:r>
-              <a:rPr lang="zh-TW" altLang="en-US" dirty="0"/>
-              <a:t>是</a:t>
-            </a:r>
-            <a:r>
-              <a:rPr lang="en-US" altLang="zh-TW" dirty="0"/>
-              <a:t>Python</a:t>
-            </a:r>
-            <a:r>
-              <a:rPr lang="zh-TW" altLang="en-US" dirty="0"/>
-              <a:t>程式語言及其數值數學擴展包 </a:t>
-            </a:r>
-            <a:r>
-              <a:rPr lang="en-US" altLang="zh-TW" dirty="0" err="1"/>
-              <a:t>NumPy</a:t>
-            </a:r>
-            <a:r>
-              <a:rPr lang="zh-TW" altLang="en-US" dirty="0"/>
-              <a:t>的可視化操作界面</a:t>
-            </a:r>
-            <a:r>
-              <a:rPr lang="zh-TW" altLang="en-US" dirty="0" smtClean="0"/>
-              <a:t>。</a:t>
-            </a:r>
-            <a:endParaRPr lang="en-US" altLang="zh-TW" dirty="0" smtClean="0"/>
-          </a:p>
-          <a:p>
-            <a:r>
-              <a:rPr lang="en-US" altLang="zh-TW" dirty="0" err="1"/>
-              <a:t>SciPy</a:t>
-            </a:r>
-            <a:r>
-              <a:rPr lang="zh-TW" altLang="en-US" dirty="0"/>
-              <a:t>就是用</a:t>
-            </a:r>
-            <a:r>
-              <a:rPr lang="en-US" altLang="zh-TW" dirty="0" err="1"/>
-              <a:t>matplotlib</a:t>
-            </a:r>
-            <a:r>
-              <a:rPr lang="zh-TW" altLang="en-US" dirty="0"/>
-              <a:t>進行圖形繪製</a:t>
-            </a:r>
-            <a:r>
-              <a:rPr lang="zh-TW" altLang="en-US" dirty="0" smtClean="0"/>
-              <a:t>。</a:t>
-            </a:r>
-            <a:endParaRPr lang="en-US" altLang="zh-TW" dirty="0" smtClean="0"/>
-          </a:p>
-          <a:p>
-            <a:r>
-              <a:rPr lang="zh-TW" altLang="en-US" dirty="0"/>
-              <a:t>完全支援二維影象，有限支援三維</a:t>
-            </a:r>
-            <a:r>
-              <a:rPr lang="zh-TW" altLang="en-US" dirty="0" smtClean="0"/>
-              <a:t>圖形。</a:t>
-            </a:r>
-            <a:endParaRPr lang="zh-TW" altLang="en-US" dirty="0"/>
-          </a:p>
-        </p:txBody>
-      </p:sp>
-    </p:spTree>
-    <p:extLst>
-      <p:ext uri="{BB962C8B-B14F-4D97-AF65-F5344CB8AC3E}">
-        <p14:creationId xmlns:p14="http://schemas.microsoft.com/office/powerpoint/2010/main" val="4027991949"/>
-      </p:ext>
-    </p:extLst>
-  </p:cSld>
-  <p:clrMapOvr>
-    <a:masterClrMapping/>
-  </p:clrMapOvr>
-  <p:timing>
-    <p:tnLst>
-      <p:par>
-        <p:cTn id="1" dur="indefinite" restart="never" nodeType="tmRoot"/>
-      </p:par>
-    </p:tnLst>
-  </p:timing>
-</p:sld>
-</file>
-
-<file path=ppt/slides/slide20.xml><?xml version="1.0" encoding="utf-8"?>
+<file path=ppt/slides/slide22.xml><?xml version="1.0" encoding="utf-8"?>
 <p:sld xmlns:a="http://schemas.openxmlformats.org/drawingml/2006/main" xmlns:r="http://schemas.openxmlformats.org/officeDocument/2006/relationships" xmlns:p="http://schemas.openxmlformats.org/presentationml/2006/main">
   <p:cSld>
     <p:spTree>
@@ -13336,7 +14264,7 @@
 </p:sld>
 </file>
 
-<file path=ppt/slides/slide21.xml><?xml version="1.0" encoding="utf-8"?>
+<file path=ppt/slides/slide23.xml><?xml version="1.0" encoding="utf-8"?>
 <p:sld xmlns:a="http://schemas.openxmlformats.org/drawingml/2006/main" xmlns:r="http://schemas.openxmlformats.org/officeDocument/2006/relationships" xmlns:p="http://schemas.openxmlformats.org/presentationml/2006/main">
   <p:cSld>
     <p:spTree>
@@ -13658,7 +14586,7 @@
 </p:sld>
 </file>
 
-<file path=ppt/slides/slide22.xml><?xml version="1.0" encoding="utf-8"?>
+<file path=ppt/slides/slide24.xml><?xml version="1.0" encoding="utf-8"?>
 <p:sld xmlns:a="http://schemas.openxmlformats.org/drawingml/2006/main" xmlns:r="http://schemas.openxmlformats.org/officeDocument/2006/relationships" xmlns:p="http://schemas.openxmlformats.org/presentationml/2006/main">
   <p:cSld>
     <p:spTree>
@@ -13980,7 +14908,7 @@
 </p:sld>
 </file>
 
-<file path=ppt/slides/slide23.xml><?xml version="1.0" encoding="utf-8"?>
+<file path=ppt/slides/slide25.xml><?xml version="1.0" encoding="utf-8"?>
 <p:sld xmlns:a="http://schemas.openxmlformats.org/drawingml/2006/main" xmlns:r="http://schemas.openxmlformats.org/officeDocument/2006/relationships" xmlns:p="http://schemas.openxmlformats.org/presentationml/2006/main">
   <p:cSld>
     <p:spTree>
@@ -14063,7 +14991,7 @@
 </p:sld>
 </file>
 
-<file path=ppt/slides/slide24.xml><?xml version="1.0" encoding="utf-8"?>
+<file path=ppt/slides/slide26.xml><?xml version="1.0" encoding="utf-8"?>
 <p:sld xmlns:a="http://schemas.openxmlformats.org/drawingml/2006/main" xmlns:r="http://schemas.openxmlformats.org/officeDocument/2006/relationships" xmlns:p="http://schemas.openxmlformats.org/presentationml/2006/main">
   <p:cSld>
     <p:spTree>
@@ -14326,7 +15254,7 @@
 </p:sld>
 </file>
 
-<file path=ppt/slides/slide25.xml><?xml version="1.0" encoding="utf-8"?>
+<file path=ppt/slides/slide27.xml><?xml version="1.0" encoding="utf-8"?>
 <p:sld xmlns:a="http://schemas.openxmlformats.org/drawingml/2006/main" xmlns:r="http://schemas.openxmlformats.org/officeDocument/2006/relationships" xmlns:p="http://schemas.openxmlformats.org/presentationml/2006/main">
   <p:cSld>
     <p:spTree>
@@ -14409,7 +15337,7 @@
 </p:sld>
 </file>
 
-<file path=ppt/slides/slide26.xml><?xml version="1.0" encoding="utf-8"?>
+<file path=ppt/slides/slide28.xml><?xml version="1.0" encoding="utf-8"?>
 <p:sld xmlns:a="http://schemas.openxmlformats.org/drawingml/2006/main" xmlns:r="http://schemas.openxmlformats.org/officeDocument/2006/relationships" xmlns:p="http://schemas.openxmlformats.org/presentationml/2006/main">
   <p:cSld>
     <p:spTree>
@@ -15008,7 +15936,7 @@
 </p:sld>
 </file>
 
-<file path=ppt/slides/slide27.xml><?xml version="1.0" encoding="utf-8"?>
+<file path=ppt/slides/slide29.xml><?xml version="1.0" encoding="utf-8"?>
 <p:sld xmlns:a="http://schemas.openxmlformats.org/drawingml/2006/main" xmlns:r="http://schemas.openxmlformats.org/officeDocument/2006/relationships" xmlns:p="http://schemas.openxmlformats.org/presentationml/2006/main">
   <p:cSld>
     <p:spTree>
@@ -15513,345 +16441,6 @@
       <p:bldP spid="5" grpId="0" animBg="1"/>
       <p:bldP spid="6" grpId="0" animBg="1"/>
     </p:bldLst>
-  </p:timing>
-</p:sld>
-</file>
-
-<file path=ppt/slides/slide28.xml><?xml version="1.0" encoding="utf-8"?>
-<p:sld xmlns:a="http://schemas.openxmlformats.org/drawingml/2006/main" xmlns:r="http://schemas.openxmlformats.org/officeDocument/2006/relationships" xmlns:p="http://schemas.openxmlformats.org/presentationml/2006/main">
-  <p:cSld>
-    <p:spTree>
-      <p:nvGrpSpPr>
-        <p:cNvPr id="1" name=""/>
-        <p:cNvGrpSpPr/>
-        <p:nvPr/>
-      </p:nvGrpSpPr>
-      <p:grpSpPr>
-        <a:xfrm>
-          <a:off x="0" y="0"/>
-          <a:ext cx="0" cy="0"/>
-          <a:chOff x="0" y="0"/>
-          <a:chExt cx="0" cy="0"/>
-        </a:xfrm>
-      </p:grpSpPr>
-      <p:sp>
-        <p:nvSpPr>
-          <p:cNvPr id="4" name="標題 3"/>
-          <p:cNvSpPr>
-            <a:spLocks noGrp="1"/>
-          </p:cNvSpPr>
-          <p:nvPr>
-            <p:ph type="title"/>
-          </p:nvPr>
-        </p:nvSpPr>
-        <p:spPr/>
-        <p:txBody>
-          <a:bodyPr/>
-          <a:lstStyle/>
-          <a:p>
-            <a:r>
-              <a:rPr lang="en-US" altLang="zh-TW" dirty="0" err="1" smtClean="0"/>
-              <a:t>hist</a:t>
-            </a:r>
-            <a:r>
-              <a:rPr lang="zh-TW" altLang="en-US" dirty="0" smtClean="0"/>
-              <a:t>統計直方圖</a:t>
-            </a:r>
-            <a:endParaRPr lang="zh-TW" altLang="en-US" dirty="0"/>
-          </a:p>
-        </p:txBody>
-      </p:sp>
-      <p:sp>
-        <p:nvSpPr>
-          <p:cNvPr id="5" name="文字版面配置區 4"/>
-          <p:cNvSpPr>
-            <a:spLocks noGrp="1"/>
-          </p:cNvSpPr>
-          <p:nvPr>
-            <p:ph type="body" idx="1"/>
-          </p:nvPr>
-        </p:nvSpPr>
-        <p:spPr/>
-        <p:txBody>
-          <a:bodyPr/>
-          <a:lstStyle/>
-          <a:p>
-            <a:r>
-              <a:rPr lang="zh-TW" altLang="en-US" dirty="0" smtClean="0"/>
-              <a:t>統計分佈數據繪圖</a:t>
-            </a:r>
-            <a:endParaRPr lang="zh-TW" altLang="en-US" dirty="0"/>
-          </a:p>
-        </p:txBody>
-      </p:sp>
-    </p:spTree>
-    <p:extLst>
-      <p:ext uri="{BB962C8B-B14F-4D97-AF65-F5344CB8AC3E}">
-        <p14:creationId xmlns:p14="http://schemas.microsoft.com/office/powerpoint/2010/main" val="53647356"/>
-      </p:ext>
-    </p:extLst>
-  </p:cSld>
-  <p:clrMapOvr>
-    <a:masterClrMapping/>
-  </p:clrMapOvr>
-  <p:timing>
-    <p:tnLst>
-      <p:par>
-        <p:cTn id="1" dur="indefinite" restart="never" nodeType="tmRoot"/>
-      </p:par>
-    </p:tnLst>
-  </p:timing>
-</p:sld>
-</file>
-
-<file path=ppt/slides/slide29.xml><?xml version="1.0" encoding="utf-8"?>
-<p:sld xmlns:a="http://schemas.openxmlformats.org/drawingml/2006/main" xmlns:r="http://schemas.openxmlformats.org/officeDocument/2006/relationships" xmlns:p="http://schemas.openxmlformats.org/presentationml/2006/main">
-  <p:cSld>
-    <p:spTree>
-      <p:nvGrpSpPr>
-        <p:cNvPr id="1" name=""/>
-        <p:cNvGrpSpPr/>
-        <p:nvPr/>
-      </p:nvGrpSpPr>
-      <p:grpSpPr>
-        <a:xfrm>
-          <a:off x="0" y="0"/>
-          <a:ext cx="0" cy="0"/>
-          <a:chOff x="0" y="0"/>
-          <a:chExt cx="0" cy="0"/>
-        </a:xfrm>
-      </p:grpSpPr>
-      <p:sp>
-        <p:nvSpPr>
-          <p:cNvPr id="4" name="標題 3"/>
-          <p:cNvSpPr>
-            <a:spLocks noGrp="1"/>
-          </p:cNvSpPr>
-          <p:nvPr>
-            <p:ph type="title"/>
-          </p:nvPr>
-        </p:nvSpPr>
-        <p:spPr/>
-        <p:txBody>
-          <a:bodyPr/>
-          <a:lstStyle/>
-          <a:p>
-            <a:r>
-              <a:rPr lang="en-US" altLang="zh-TW" dirty="0" err="1" smtClean="0"/>
-              <a:t>Hist</a:t>
-            </a:r>
-            <a:r>
-              <a:rPr lang="en-US" altLang="zh-TW" dirty="0" smtClean="0"/>
-              <a:t>()</a:t>
-            </a:r>
-            <a:r>
-              <a:rPr lang="zh-TW" altLang="en-US" dirty="0" smtClean="0"/>
-              <a:t>統計分佈數據的直方圖繪製</a:t>
-            </a:r>
-            <a:endParaRPr lang="zh-TW" altLang="en-US" dirty="0"/>
-          </a:p>
-        </p:txBody>
-      </p:sp>
-      <p:sp>
-        <p:nvSpPr>
-          <p:cNvPr id="5" name="內容版面配置區 4"/>
-          <p:cNvSpPr>
-            <a:spLocks noGrp="1"/>
-          </p:cNvSpPr>
-          <p:nvPr>
-            <p:ph idx="1"/>
-          </p:nvPr>
-        </p:nvSpPr>
-        <p:spPr/>
-        <p:txBody>
-          <a:bodyPr/>
-          <a:lstStyle/>
-          <a:p>
-            <a:r>
-              <a:rPr lang="zh-TW" altLang="en-US" dirty="0" smtClean="0"/>
-              <a:t>直接試試以下程式。結果如右。</a:t>
-            </a:r>
-            <a:endParaRPr lang="en-US" altLang="zh-TW" dirty="0" smtClean="0"/>
-          </a:p>
-          <a:p>
-            <a:endParaRPr lang="zh-TW" altLang="en-US" dirty="0"/>
-          </a:p>
-        </p:txBody>
-      </p:sp>
-      <p:pic>
-        <p:nvPicPr>
-          <p:cNvPr id="2" name="圖片 1"/>
-          <p:cNvPicPr>
-            <a:picLocks noChangeAspect="1"/>
-          </p:cNvPicPr>
-          <p:nvPr/>
-        </p:nvPicPr>
-        <p:blipFill>
-          <a:blip r:embed="rId2"/>
-          <a:stretch>
-            <a:fillRect/>
-          </a:stretch>
-        </p:blipFill>
-        <p:spPr>
-          <a:xfrm>
-            <a:off x="348151" y="2558974"/>
-            <a:ext cx="7442538" cy="2843897"/>
-          </a:xfrm>
-          <a:prstGeom prst="rect">
-            <a:avLst/>
-          </a:prstGeom>
-        </p:spPr>
-      </p:pic>
-      <p:pic>
-        <p:nvPicPr>
-          <p:cNvPr id="3" name="圖片 2"/>
-          <p:cNvPicPr>
-            <a:picLocks noChangeAspect="1"/>
-          </p:cNvPicPr>
-          <p:nvPr/>
-        </p:nvPicPr>
-        <p:blipFill>
-          <a:blip r:embed="rId3"/>
-          <a:stretch>
-            <a:fillRect/>
-          </a:stretch>
-        </p:blipFill>
-        <p:spPr>
-          <a:xfrm>
-            <a:off x="7860700" y="2693951"/>
-            <a:ext cx="4248237" cy="2900609"/>
-          </a:xfrm>
-          <a:prstGeom prst="rect">
-            <a:avLst/>
-          </a:prstGeom>
-        </p:spPr>
-      </p:pic>
-      <p:pic>
-        <p:nvPicPr>
-          <p:cNvPr id="6" name="圖片 5"/>
-          <p:cNvPicPr>
-            <a:picLocks noChangeAspect="1"/>
-          </p:cNvPicPr>
-          <p:nvPr/>
-        </p:nvPicPr>
-        <p:blipFill>
-          <a:blip r:embed="rId4"/>
-          <a:stretch>
-            <a:fillRect/>
-          </a:stretch>
-        </p:blipFill>
-        <p:spPr>
-          <a:xfrm>
-            <a:off x="7860700" y="2048256"/>
-            <a:ext cx="2662388" cy="551666"/>
-          </a:xfrm>
-          <a:prstGeom prst="rect">
-            <a:avLst/>
-          </a:prstGeom>
-        </p:spPr>
-      </p:pic>
-      <p:sp>
-        <p:nvSpPr>
-          <p:cNvPr id="7" name="向右箭號 6"/>
-          <p:cNvSpPr/>
-          <p:nvPr/>
-        </p:nvSpPr>
-        <p:spPr>
-          <a:xfrm>
-            <a:off x="7525512" y="3794760"/>
-            <a:ext cx="475488" cy="457200"/>
-          </a:xfrm>
-          <a:prstGeom prst="rightArrow">
-            <a:avLst/>
-          </a:prstGeom>
-          <a:solidFill>
-            <a:srgbClr val="FF0000"/>
-          </a:solidFill>
-          <a:ln>
-            <a:solidFill>
-              <a:srgbClr val="FF0000"/>
-            </a:solidFill>
-          </a:ln>
-        </p:spPr>
-        <p:style>
-          <a:lnRef idx="2">
-            <a:schemeClr val="accent1">
-              <a:shade val="50000"/>
-            </a:schemeClr>
-          </a:lnRef>
-          <a:fillRef idx="1">
-            <a:schemeClr val="accent1"/>
-          </a:fillRef>
-          <a:effectRef idx="0">
-            <a:schemeClr val="accent1"/>
-          </a:effectRef>
-          <a:fontRef idx="minor">
-            <a:schemeClr val="lt1"/>
-          </a:fontRef>
-        </p:style>
-        <p:txBody>
-          <a:bodyPr rtlCol="0" anchor="ctr"/>
-          <a:lstStyle/>
-          <a:p>
-            <a:pPr algn="ctr"/>
-            <a:endParaRPr lang="zh-TW" altLang="en-US"/>
-          </a:p>
-        </p:txBody>
-      </p:sp>
-      <p:sp>
-        <p:nvSpPr>
-          <p:cNvPr id="8" name="文字方塊 7"/>
-          <p:cNvSpPr txBox="1"/>
-          <p:nvPr/>
-        </p:nvSpPr>
-        <p:spPr>
-          <a:xfrm>
-            <a:off x="677334" y="5431924"/>
-            <a:ext cx="1069524" cy="369332"/>
-          </a:xfrm>
-          <a:prstGeom prst="rect">
-            <a:avLst/>
-          </a:prstGeom>
-          <a:noFill/>
-        </p:spPr>
-        <p:txBody>
-          <a:bodyPr wrap="none" rtlCol="0">
-            <a:spAutoFit/>
-          </a:bodyPr>
-          <a:lstStyle/>
-          <a:p>
-            <a:r>
-              <a:rPr lang="en-US" altLang="zh-TW" dirty="0" smtClean="0">
-                <a:solidFill>
-                  <a:srgbClr val="FF0000"/>
-                </a:solidFill>
-              </a:rPr>
-              <a:t>m0_8.py</a:t>
-            </a:r>
-            <a:endParaRPr lang="zh-TW" altLang="en-US" dirty="0">
-              <a:solidFill>
-                <a:srgbClr val="FF0000"/>
-              </a:solidFill>
-            </a:endParaRPr>
-          </a:p>
-        </p:txBody>
-      </p:sp>
-    </p:spTree>
-    <p:extLst>
-      <p:ext uri="{BB962C8B-B14F-4D97-AF65-F5344CB8AC3E}">
-        <p14:creationId xmlns:p14="http://schemas.microsoft.com/office/powerpoint/2010/main" val="2218621586"/>
-      </p:ext>
-    </p:extLst>
-  </p:cSld>
-  <p:clrMapOvr>
-    <a:masterClrMapping/>
-  </p:clrMapOvr>
-  <p:timing>
-    <p:tnLst>
-      <p:par>
-        <p:cTn id="1" dur="indefinite" restart="never" nodeType="tmRoot"/>
-      </p:par>
-    </p:tnLst>
   </p:timing>
 </p:sld>
 </file>
@@ -18214,7 +18803,7 @@
       </p:grpSpPr>
       <p:sp>
         <p:nvSpPr>
-          <p:cNvPr id="2" name="標題 1"/>
+          <p:cNvPr id="4" name="標題 3"/>
           <p:cNvSpPr>
             <a:spLocks noGrp="1"/>
           </p:cNvSpPr>
@@ -18228,8 +18817,12 @@
           <a:lstStyle/>
           <a:p>
             <a:r>
+              <a:rPr lang="en-US" altLang="zh-TW" dirty="0" err="1" smtClean="0"/>
+              <a:t>hist</a:t>
+            </a:r>
+            <a:r>
               <a:rPr lang="zh-TW" altLang="en-US" dirty="0" smtClean="0"/>
-              <a:t>程式解說</a:t>
+              <a:t>統計直方圖</a:t>
             </a:r>
             <a:endParaRPr lang="zh-TW" altLang="en-US" dirty="0"/>
           </a:p>
@@ -18237,12 +18830,12 @@
       </p:sp>
       <p:sp>
         <p:nvSpPr>
-          <p:cNvPr id="3" name="內容版面配置區 2"/>
+          <p:cNvPr id="5" name="文字版面配置區 4"/>
           <p:cNvSpPr>
             <a:spLocks noGrp="1"/>
           </p:cNvSpPr>
           <p:nvPr>
-            <p:ph idx="1"/>
+            <p:ph type="body" idx="1"/>
           </p:nvPr>
         </p:nvSpPr>
         <p:spPr/>
@@ -18251,470 +18844,9 @@
           <a:lstStyle/>
           <a:p>
             <a:r>
-              <a:rPr lang="en-US" altLang="zh-TW" dirty="0" smtClean="0"/>
-              <a:t>Bins = [1,2,3,4,5,6]</a:t>
-            </a:r>
-            <a:r>
               <a:rPr lang="zh-TW" altLang="en-US" dirty="0" smtClean="0"/>
-              <a:t>指的是將資料分</a:t>
-            </a:r>
-            <a:r>
-              <a:rPr lang="en-US" altLang="zh-TW" dirty="0" smtClean="0"/>
-              <a:t>5</a:t>
-            </a:r>
-            <a:r>
-              <a:rPr lang="zh-TW" altLang="en-US" dirty="0" smtClean="0"/>
-              <a:t>個區間</a:t>
-            </a:r>
-            <a:endParaRPr lang="en-US" altLang="zh-TW" dirty="0" smtClean="0"/>
-          </a:p>
-          <a:p>
-            <a:pPr lvl="1"/>
-            <a:r>
-              <a:rPr lang="en-US" altLang="zh-TW" dirty="0" smtClean="0"/>
-              <a:t>[1,2)</a:t>
-            </a:r>
-            <a:r>
-              <a:rPr lang="zh-TW" altLang="en-US" dirty="0">
-                <a:solidFill>
-                  <a:schemeClr val="tx1"/>
-                </a:solidFill>
-                <a:sym typeface="Wingdings" panose="05000000000000000000" pitchFamily="2" charset="2"/>
-              </a:rPr>
-              <a:t>含</a:t>
-            </a:r>
-            <a:r>
-              <a:rPr lang="en-US" altLang="zh-TW" dirty="0">
-                <a:solidFill>
-                  <a:schemeClr val="tx1"/>
-                </a:solidFill>
-                <a:sym typeface="Wingdings" panose="05000000000000000000" pitchFamily="2" charset="2"/>
-              </a:rPr>
-              <a:t>1</a:t>
-            </a:r>
-            <a:r>
-              <a:rPr lang="zh-TW" altLang="en-US" dirty="0">
-                <a:solidFill>
-                  <a:schemeClr val="tx1"/>
-                </a:solidFill>
-                <a:sym typeface="Wingdings" panose="05000000000000000000" pitchFamily="2" charset="2"/>
-              </a:rPr>
-              <a:t>不含</a:t>
-            </a:r>
-            <a:r>
-              <a:rPr lang="en-US" altLang="zh-TW" dirty="0">
-                <a:solidFill>
-                  <a:schemeClr val="tx1"/>
-                </a:solidFill>
-                <a:sym typeface="Wingdings" panose="05000000000000000000" pitchFamily="2" charset="2"/>
-              </a:rPr>
-              <a:t>2</a:t>
-            </a:r>
-            <a:r>
-              <a:rPr lang="en-US" altLang="zh-TW" dirty="0" smtClean="0"/>
-              <a:t> , [2,3), [3,4), [4,5), [5,6]</a:t>
-            </a:r>
-            <a:r>
-              <a:rPr lang="zh-TW" altLang="en-US" dirty="0">
-                <a:solidFill>
-                  <a:schemeClr val="tx1"/>
-                </a:solidFill>
-                <a:sym typeface="Wingdings" panose="05000000000000000000" pitchFamily="2" charset="2"/>
-              </a:rPr>
-              <a:t>含</a:t>
-            </a:r>
-            <a:r>
-              <a:rPr lang="en-US" altLang="zh-TW" dirty="0">
-                <a:solidFill>
-                  <a:schemeClr val="tx1"/>
-                </a:solidFill>
-                <a:sym typeface="Wingdings" panose="05000000000000000000" pitchFamily="2" charset="2"/>
-              </a:rPr>
-              <a:t>5</a:t>
-            </a:r>
-            <a:r>
-              <a:rPr lang="zh-TW" altLang="en-US" dirty="0">
-                <a:solidFill>
-                  <a:schemeClr val="tx1"/>
-                </a:solidFill>
-                <a:sym typeface="Wingdings" panose="05000000000000000000" pitchFamily="2" charset="2"/>
-              </a:rPr>
-              <a:t>也含</a:t>
-            </a:r>
-            <a:r>
-              <a:rPr lang="en-US" altLang="zh-TW" dirty="0" smtClean="0">
-                <a:sym typeface="Wingdings" panose="05000000000000000000" pitchFamily="2" charset="2"/>
-              </a:rPr>
-              <a:t>6</a:t>
-            </a:r>
-          </a:p>
-          <a:p>
-            <a:pPr lvl="1"/>
-            <a:r>
-              <a:rPr lang="zh-TW" altLang="en-US" dirty="0">
-                <a:sym typeface="Wingdings" panose="05000000000000000000" pitchFamily="2" charset="2"/>
-              </a:rPr>
-              <a:t>也可以直接給一個數字</a:t>
-            </a:r>
-            <a:r>
-              <a:rPr lang="zh-TW" altLang="en-US" dirty="0" smtClean="0">
-                <a:sym typeface="Wingdings" panose="05000000000000000000" pitchFamily="2" charset="2"/>
-              </a:rPr>
-              <a:t>，分幾組，讓</a:t>
-            </a:r>
-            <a:r>
-              <a:rPr lang="en-US" altLang="zh-TW" dirty="0" err="1" smtClean="0">
-                <a:sym typeface="Wingdings" panose="05000000000000000000" pitchFamily="2" charset="2"/>
-              </a:rPr>
-              <a:t>hist</a:t>
-            </a:r>
-            <a:r>
-              <a:rPr lang="zh-TW" altLang="en-US" dirty="0" smtClean="0">
-                <a:sym typeface="Wingdings" panose="05000000000000000000" pitchFamily="2" charset="2"/>
-              </a:rPr>
-              <a:t>自己計算去分。</a:t>
-            </a:r>
-            <a:r>
-              <a:rPr lang="en-US" altLang="zh-TW" dirty="0" smtClean="0">
-                <a:solidFill>
-                  <a:schemeClr val="tx1"/>
-                </a:solidFill>
-                <a:sym typeface="Wingdings" panose="05000000000000000000" pitchFamily="2" charset="2"/>
-              </a:rPr>
-              <a:t>(</a:t>
-            </a:r>
-            <a:r>
-              <a:rPr lang="zh-TW" altLang="en-US" dirty="0" smtClean="0">
-                <a:solidFill>
-                  <a:schemeClr val="tx1"/>
-                </a:solidFill>
-                <a:sym typeface="Wingdings" panose="05000000000000000000" pitchFamily="2" charset="2"/>
-              </a:rPr>
-              <a:t>但是有時候反而有點麻煩。</a:t>
-            </a:r>
-            <a:r>
-              <a:rPr lang="en-US" altLang="zh-TW" dirty="0" smtClean="0">
-                <a:solidFill>
-                  <a:schemeClr val="tx1"/>
-                </a:solidFill>
-                <a:sym typeface="Wingdings" panose="05000000000000000000" pitchFamily="2" charset="2"/>
-              </a:rPr>
-              <a:t>)</a:t>
-            </a:r>
-          </a:p>
-          <a:p>
-            <a:r>
-              <a:rPr lang="en-US" altLang="zh-TW" dirty="0" smtClean="0">
-                <a:sym typeface="Wingdings" panose="05000000000000000000" pitchFamily="2" charset="2"/>
-              </a:rPr>
-              <a:t>Axis([x</a:t>
-            </a:r>
-            <a:r>
-              <a:rPr lang="zh-TW" altLang="en-US" dirty="0" smtClean="0">
-                <a:sym typeface="Wingdings" panose="05000000000000000000" pitchFamily="2" charset="2"/>
-              </a:rPr>
-              <a:t>下限</a:t>
-            </a:r>
-            <a:r>
-              <a:rPr lang="en-US" altLang="zh-TW" dirty="0" smtClean="0">
-                <a:sym typeface="Wingdings" panose="05000000000000000000" pitchFamily="2" charset="2"/>
-              </a:rPr>
-              <a:t>,x</a:t>
-            </a:r>
-            <a:r>
-              <a:rPr lang="zh-TW" altLang="en-US" dirty="0" smtClean="0">
-                <a:sym typeface="Wingdings" panose="05000000000000000000" pitchFamily="2" charset="2"/>
-              </a:rPr>
-              <a:t>上限</a:t>
-            </a:r>
-            <a:r>
-              <a:rPr lang="en-US" altLang="zh-TW" dirty="0" smtClean="0">
-                <a:sym typeface="Wingdings" panose="05000000000000000000" pitchFamily="2" charset="2"/>
-              </a:rPr>
-              <a:t>, y</a:t>
-            </a:r>
-            <a:r>
-              <a:rPr lang="zh-TW" altLang="en-US" dirty="0" smtClean="0">
-                <a:sym typeface="Wingdings" panose="05000000000000000000" pitchFamily="2" charset="2"/>
-              </a:rPr>
-              <a:t>下限</a:t>
-            </a:r>
-            <a:r>
-              <a:rPr lang="en-US" altLang="zh-TW" dirty="0" smtClean="0">
-                <a:sym typeface="Wingdings" panose="05000000000000000000" pitchFamily="2" charset="2"/>
-              </a:rPr>
-              <a:t>, y</a:t>
-            </a:r>
-            <a:r>
-              <a:rPr lang="zh-TW" altLang="en-US" dirty="0" smtClean="0">
-                <a:sym typeface="Wingdings" panose="05000000000000000000" pitchFamily="2" charset="2"/>
-              </a:rPr>
-              <a:t>上限</a:t>
-            </a:r>
-            <a:r>
-              <a:rPr lang="en-US" altLang="zh-TW" dirty="0" smtClean="0">
-                <a:sym typeface="Wingdings" panose="05000000000000000000" pitchFamily="2" charset="2"/>
-              </a:rPr>
-              <a:t>])</a:t>
-            </a:r>
-          </a:p>
-          <a:p>
-            <a:r>
-              <a:rPr lang="en-US" altLang="zh-TW" dirty="0" err="1">
-                <a:sym typeface="Wingdings" panose="05000000000000000000" pitchFamily="2" charset="2"/>
-              </a:rPr>
-              <a:t>hist</a:t>
-            </a:r>
-            <a:r>
-              <a:rPr lang="en-US" altLang="zh-TW" dirty="0">
-                <a:sym typeface="Wingdings" panose="05000000000000000000" pitchFamily="2" charset="2"/>
-              </a:rPr>
-              <a:t>(</a:t>
-            </a:r>
-            <a:r>
-              <a:rPr lang="en-US" altLang="zh-TW" dirty="0" err="1">
-                <a:sym typeface="Wingdings" panose="05000000000000000000" pitchFamily="2" charset="2"/>
-              </a:rPr>
-              <a:t>datas</a:t>
-            </a:r>
-            <a:r>
-              <a:rPr lang="en-US" altLang="zh-TW" dirty="0">
-                <a:sym typeface="Wingdings" panose="05000000000000000000" pitchFamily="2" charset="2"/>
-              </a:rPr>
-              <a:t>, </a:t>
-            </a:r>
-            <a:r>
-              <a:rPr lang="en-US" altLang="zh-TW" dirty="0" err="1">
-                <a:sym typeface="Wingdings" panose="05000000000000000000" pitchFamily="2" charset="2"/>
-              </a:rPr>
-              <a:t>bins,rwidth</a:t>
-            </a:r>
-            <a:r>
-              <a:rPr lang="en-US" altLang="zh-TW" dirty="0">
-                <a:sym typeface="Wingdings" panose="05000000000000000000" pitchFamily="2" charset="2"/>
-              </a:rPr>
-              <a:t>=0.7,align='left</a:t>
-            </a:r>
-            <a:r>
-              <a:rPr lang="en-US" altLang="zh-TW" dirty="0" smtClean="0">
-                <a:sym typeface="Wingdings" panose="05000000000000000000" pitchFamily="2" charset="2"/>
-              </a:rPr>
-              <a:t>')</a:t>
-            </a:r>
-          </a:p>
-          <a:p>
-            <a:pPr lvl="1"/>
-            <a:r>
-              <a:rPr lang="zh-TW" altLang="en-US" dirty="0">
-                <a:sym typeface="Wingdings" panose="05000000000000000000" pitchFamily="2" charset="2"/>
-              </a:rPr>
-              <a:t>統計</a:t>
-            </a:r>
-            <a:r>
-              <a:rPr lang="en-US" altLang="zh-TW" dirty="0" err="1">
-                <a:sym typeface="Wingdings" panose="05000000000000000000" pitchFamily="2" charset="2"/>
-              </a:rPr>
-              <a:t>datas</a:t>
-            </a:r>
-            <a:r>
-              <a:rPr lang="zh-TW" altLang="en-US" dirty="0">
-                <a:sym typeface="Wingdings" panose="05000000000000000000" pitchFamily="2" charset="2"/>
-              </a:rPr>
-              <a:t>依照</a:t>
-            </a:r>
-            <a:r>
-              <a:rPr lang="en-US" altLang="zh-TW" dirty="0">
-                <a:sym typeface="Wingdings" panose="05000000000000000000" pitchFamily="2" charset="2"/>
-              </a:rPr>
-              <a:t>bins</a:t>
-            </a:r>
-            <a:r>
-              <a:rPr lang="zh-TW" altLang="en-US" dirty="0">
-                <a:sym typeface="Wingdings" panose="05000000000000000000" pitchFamily="2" charset="2"/>
-              </a:rPr>
-              <a:t>分組原則</a:t>
-            </a:r>
-            <a:r>
-              <a:rPr lang="zh-TW" altLang="en-US" dirty="0" smtClean="0">
-                <a:sym typeface="Wingdings" panose="05000000000000000000" pitchFamily="2" charset="2"/>
-              </a:rPr>
-              <a:t>， </a:t>
-            </a:r>
-            <a:r>
-              <a:rPr lang="en-US" altLang="zh-TW" dirty="0" smtClean="0">
-                <a:sym typeface="Wingdings" panose="05000000000000000000" pitchFamily="2" charset="2"/>
-              </a:rPr>
-              <a:t>bar</a:t>
-            </a:r>
-            <a:r>
-              <a:rPr lang="zh-TW" altLang="en-US" dirty="0" smtClean="0">
-                <a:sym typeface="Wingdings" panose="05000000000000000000" pitchFamily="2" charset="2"/>
-              </a:rPr>
-              <a:t>寬為</a:t>
-            </a:r>
-            <a:r>
-              <a:rPr lang="en-US" altLang="zh-TW" dirty="0" smtClean="0">
-                <a:sym typeface="Wingdings" panose="05000000000000000000" pitchFamily="2" charset="2"/>
-              </a:rPr>
-              <a:t>0.7</a:t>
-            </a:r>
-            <a:r>
-              <a:rPr lang="zh-TW" altLang="en-US" dirty="0" smtClean="0">
-                <a:sym typeface="Wingdings" panose="05000000000000000000" pitchFamily="2" charset="2"/>
-              </a:rPr>
-              <a:t>個區間</a:t>
-            </a:r>
-            <a:r>
-              <a:rPr lang="en-US" altLang="zh-TW" dirty="0" smtClean="0">
-                <a:sym typeface="Wingdings" panose="05000000000000000000" pitchFamily="2" charset="2"/>
-              </a:rPr>
-              <a:t>, bar</a:t>
-            </a:r>
-            <a:r>
-              <a:rPr lang="zh-TW" altLang="en-US" dirty="0" smtClean="0">
-                <a:sym typeface="Wingdings" panose="05000000000000000000" pitchFamily="2" charset="2"/>
-              </a:rPr>
-              <a:t>中心對著區間左邊。</a:t>
-            </a:r>
-            <a:endParaRPr lang="en-US" altLang="zh-TW" dirty="0" smtClean="0">
-              <a:sym typeface="Wingdings" panose="05000000000000000000" pitchFamily="2" charset="2"/>
-            </a:endParaRPr>
-          </a:p>
-          <a:p>
-            <a:r>
-              <a:rPr lang="zh-TW" altLang="en-US" dirty="0">
-                <a:sym typeface="Wingdings" panose="05000000000000000000" pitchFamily="2" charset="2"/>
-              </a:rPr>
-              <a:t>傳回值的</a:t>
-            </a:r>
-            <a:r>
-              <a:rPr lang="en-US" altLang="zh-TW" dirty="0">
-                <a:sym typeface="Wingdings" panose="05000000000000000000" pitchFamily="2" charset="2"/>
-              </a:rPr>
-              <a:t>h</a:t>
-            </a:r>
-            <a:r>
-              <a:rPr lang="zh-TW" altLang="en-US" dirty="0">
-                <a:sym typeface="Wingdings" panose="05000000000000000000" pitchFamily="2" charset="2"/>
-              </a:rPr>
-              <a:t>分為</a:t>
-            </a:r>
-            <a:r>
-              <a:rPr lang="en-US" altLang="zh-TW" dirty="0">
-                <a:sym typeface="Wingdings" panose="05000000000000000000" pitchFamily="2" charset="2"/>
-              </a:rPr>
-              <a:t>h[0]</a:t>
-            </a:r>
-            <a:r>
-              <a:rPr lang="zh-TW" altLang="en-US" dirty="0">
-                <a:sym typeface="Wingdings" panose="05000000000000000000" pitchFamily="2" charset="2"/>
-              </a:rPr>
-              <a:t>與</a:t>
-            </a:r>
-            <a:r>
-              <a:rPr lang="en-US" altLang="zh-TW" dirty="0">
-                <a:sym typeface="Wingdings" panose="05000000000000000000" pitchFamily="2" charset="2"/>
-              </a:rPr>
-              <a:t>h[1]</a:t>
-            </a:r>
-            <a:r>
-              <a:rPr lang="zh-TW" altLang="en-US" dirty="0" smtClean="0">
-                <a:sym typeface="Wingdings" panose="05000000000000000000" pitchFamily="2" charset="2"/>
-              </a:rPr>
-              <a:t>。</a:t>
-            </a:r>
-            <a:endParaRPr lang="en-US" altLang="zh-TW" dirty="0" smtClean="0">
-              <a:sym typeface="Wingdings" panose="05000000000000000000" pitchFamily="2" charset="2"/>
-            </a:endParaRPr>
-          </a:p>
-          <a:p>
-            <a:pPr lvl="1"/>
-            <a:r>
-              <a:rPr lang="en-US" altLang="zh-TW" dirty="0" smtClean="0">
-                <a:sym typeface="Wingdings" panose="05000000000000000000" pitchFamily="2" charset="2"/>
-              </a:rPr>
-              <a:t>h[0]: </a:t>
-            </a:r>
-            <a:r>
-              <a:rPr lang="zh-TW" altLang="en-US" dirty="0" smtClean="0">
-                <a:sym typeface="Wingdings" panose="05000000000000000000" pitchFamily="2" charset="2"/>
-              </a:rPr>
-              <a:t>各組資料數量</a:t>
-            </a:r>
-            <a:r>
-              <a:rPr lang="en-US" altLang="zh-TW" dirty="0" smtClean="0">
-                <a:sym typeface="Wingdings" panose="05000000000000000000" pitchFamily="2" charset="2"/>
-              </a:rPr>
-              <a:t>(</a:t>
-            </a:r>
-            <a:r>
-              <a:rPr lang="zh-TW" altLang="en-US" dirty="0" smtClean="0">
-                <a:sym typeface="Wingdings" panose="05000000000000000000" pitchFamily="2" charset="2"/>
-              </a:rPr>
-              <a:t>即</a:t>
-            </a:r>
-            <a:r>
-              <a:rPr lang="en-US" altLang="zh-TW" dirty="0" smtClean="0">
-                <a:sym typeface="Wingdings" panose="05000000000000000000" pitchFamily="2" charset="2"/>
-              </a:rPr>
-              <a:t>y</a:t>
-            </a:r>
-            <a:r>
-              <a:rPr lang="zh-TW" altLang="en-US" dirty="0" smtClean="0">
-                <a:sym typeface="Wingdings" panose="05000000000000000000" pitchFamily="2" charset="2"/>
-              </a:rPr>
-              <a:t>軸</a:t>
-            </a:r>
-            <a:r>
-              <a:rPr lang="en-US" altLang="zh-TW" dirty="0" smtClean="0">
-                <a:sym typeface="Wingdings" panose="05000000000000000000" pitchFamily="2" charset="2"/>
-              </a:rPr>
-              <a:t>)</a:t>
-            </a:r>
-          </a:p>
-          <a:p>
-            <a:pPr lvl="1"/>
-            <a:r>
-              <a:rPr lang="en-US" altLang="zh-TW" dirty="0" smtClean="0">
-                <a:sym typeface="Wingdings" panose="05000000000000000000" pitchFamily="2" charset="2"/>
-              </a:rPr>
-              <a:t>h[1]:</a:t>
-            </a:r>
-            <a:r>
-              <a:rPr lang="zh-TW" altLang="en-US" dirty="0" smtClean="0">
-                <a:sym typeface="Wingdings" panose="05000000000000000000" pitchFamily="2" charset="2"/>
-              </a:rPr>
-              <a:t>分組的左</a:t>
-            </a:r>
-            <a:r>
-              <a:rPr lang="en-US" altLang="zh-TW" dirty="0" smtClean="0">
-                <a:sym typeface="Wingdings" panose="05000000000000000000" pitchFamily="2" charset="2"/>
-              </a:rPr>
-              <a:t>(</a:t>
-            </a:r>
-            <a:r>
-              <a:rPr lang="zh-TW" altLang="en-US" dirty="0" smtClean="0">
-                <a:sym typeface="Wingdings" panose="05000000000000000000" pitchFamily="2" charset="2"/>
-              </a:rPr>
-              <a:t>下</a:t>
-            </a:r>
-            <a:r>
-              <a:rPr lang="en-US" altLang="zh-TW" dirty="0" smtClean="0">
-                <a:sym typeface="Wingdings" panose="05000000000000000000" pitchFamily="2" charset="2"/>
-              </a:rPr>
-              <a:t>)</a:t>
-            </a:r>
-            <a:r>
-              <a:rPr lang="zh-TW" altLang="en-US" dirty="0" smtClean="0">
-                <a:sym typeface="Wingdings" panose="05000000000000000000" pitchFamily="2" charset="2"/>
-              </a:rPr>
-              <a:t>界線。</a:t>
-            </a:r>
-            <a:endParaRPr lang="en-US" altLang="zh-TW" dirty="0" smtClean="0">
-              <a:sym typeface="Wingdings" panose="05000000000000000000" pitchFamily="2" charset="2"/>
-            </a:endParaRPr>
-          </a:p>
-          <a:p>
+              <a:t>統計分佈數據繪圖</a:t>
+            </a:r>
             <a:endParaRPr lang="zh-TW" altLang="en-US" dirty="0"/>
           </a:p>
         </p:txBody>
@@ -18722,7 +18854,7 @@
     </p:spTree>
     <p:extLst>
       <p:ext uri="{BB962C8B-B14F-4D97-AF65-F5344CB8AC3E}">
-        <p14:creationId xmlns:p14="http://schemas.microsoft.com/office/powerpoint/2010/main" val="4065083576"/>
+        <p14:creationId xmlns:p14="http://schemas.microsoft.com/office/powerpoint/2010/main" val="53647356"/>
       </p:ext>
     </p:extLst>
   </p:cSld>
@@ -18772,6 +18904,802 @@
           <a:lstStyle/>
           <a:p>
             <a:r>
+              <a:rPr lang="en-US" altLang="zh-TW" dirty="0" err="1" smtClean="0"/>
+              <a:t>Hist</a:t>
+            </a:r>
+            <a:r>
+              <a:rPr lang="en-US" altLang="zh-TW" dirty="0" smtClean="0"/>
+              <a:t>()</a:t>
+            </a:r>
+            <a:r>
+              <a:rPr lang="zh-TW" altLang="en-US" dirty="0" smtClean="0"/>
+              <a:t>統計分佈數據的直方圖繪製</a:t>
+            </a:r>
+            <a:endParaRPr lang="zh-TW" altLang="en-US" dirty="0"/>
+          </a:p>
+        </p:txBody>
+      </p:sp>
+      <p:sp>
+        <p:nvSpPr>
+          <p:cNvPr id="5" name="內容版面配置區 4"/>
+          <p:cNvSpPr>
+            <a:spLocks noGrp="1"/>
+          </p:cNvSpPr>
+          <p:nvPr>
+            <p:ph idx="1"/>
+          </p:nvPr>
+        </p:nvSpPr>
+        <p:spPr/>
+        <p:txBody>
+          <a:bodyPr/>
+          <a:lstStyle/>
+          <a:p>
+            <a:r>
+              <a:rPr lang="zh-TW" altLang="en-US" dirty="0" smtClean="0"/>
+              <a:t>直接試試以下程式。結果如右。</a:t>
+            </a:r>
+            <a:endParaRPr lang="en-US" altLang="zh-TW" dirty="0" smtClean="0"/>
+          </a:p>
+          <a:p>
+            <a:endParaRPr lang="zh-TW" altLang="en-US" dirty="0"/>
+          </a:p>
+        </p:txBody>
+      </p:sp>
+      <p:pic>
+        <p:nvPicPr>
+          <p:cNvPr id="2" name="圖片 1"/>
+          <p:cNvPicPr>
+            <a:picLocks noChangeAspect="1"/>
+          </p:cNvPicPr>
+          <p:nvPr/>
+        </p:nvPicPr>
+        <p:blipFill>
+          <a:blip r:embed="rId2"/>
+          <a:stretch>
+            <a:fillRect/>
+          </a:stretch>
+        </p:blipFill>
+        <p:spPr>
+          <a:xfrm>
+            <a:off x="348151" y="2558974"/>
+            <a:ext cx="7442538" cy="2843897"/>
+          </a:xfrm>
+          <a:prstGeom prst="rect">
+            <a:avLst/>
+          </a:prstGeom>
+        </p:spPr>
+      </p:pic>
+      <p:pic>
+        <p:nvPicPr>
+          <p:cNvPr id="3" name="圖片 2"/>
+          <p:cNvPicPr>
+            <a:picLocks noChangeAspect="1"/>
+          </p:cNvPicPr>
+          <p:nvPr/>
+        </p:nvPicPr>
+        <p:blipFill>
+          <a:blip r:embed="rId3"/>
+          <a:stretch>
+            <a:fillRect/>
+          </a:stretch>
+        </p:blipFill>
+        <p:spPr>
+          <a:xfrm>
+            <a:off x="7860700" y="2693951"/>
+            <a:ext cx="4248237" cy="2900609"/>
+          </a:xfrm>
+          <a:prstGeom prst="rect">
+            <a:avLst/>
+          </a:prstGeom>
+        </p:spPr>
+      </p:pic>
+      <p:pic>
+        <p:nvPicPr>
+          <p:cNvPr id="6" name="圖片 5"/>
+          <p:cNvPicPr>
+            <a:picLocks noChangeAspect="1"/>
+          </p:cNvPicPr>
+          <p:nvPr/>
+        </p:nvPicPr>
+        <p:blipFill>
+          <a:blip r:embed="rId4"/>
+          <a:stretch>
+            <a:fillRect/>
+          </a:stretch>
+        </p:blipFill>
+        <p:spPr>
+          <a:xfrm>
+            <a:off x="7860700" y="2048256"/>
+            <a:ext cx="2662388" cy="551666"/>
+          </a:xfrm>
+          <a:prstGeom prst="rect">
+            <a:avLst/>
+          </a:prstGeom>
+        </p:spPr>
+      </p:pic>
+      <p:sp>
+        <p:nvSpPr>
+          <p:cNvPr id="7" name="向右箭號 6"/>
+          <p:cNvSpPr/>
+          <p:nvPr/>
+        </p:nvSpPr>
+        <p:spPr>
+          <a:xfrm>
+            <a:off x="7525512" y="3794760"/>
+            <a:ext cx="475488" cy="457200"/>
+          </a:xfrm>
+          <a:prstGeom prst="rightArrow">
+            <a:avLst/>
+          </a:prstGeom>
+          <a:solidFill>
+            <a:srgbClr val="FF0000"/>
+          </a:solidFill>
+          <a:ln>
+            <a:solidFill>
+              <a:srgbClr val="FF0000"/>
+            </a:solidFill>
+          </a:ln>
+        </p:spPr>
+        <p:style>
+          <a:lnRef idx="2">
+            <a:schemeClr val="accent1">
+              <a:shade val="50000"/>
+            </a:schemeClr>
+          </a:lnRef>
+          <a:fillRef idx="1">
+            <a:schemeClr val="accent1"/>
+          </a:fillRef>
+          <a:effectRef idx="0">
+            <a:schemeClr val="accent1"/>
+          </a:effectRef>
+          <a:fontRef idx="minor">
+            <a:schemeClr val="lt1"/>
+          </a:fontRef>
+        </p:style>
+        <p:txBody>
+          <a:bodyPr rtlCol="0" anchor="ctr"/>
+          <a:lstStyle/>
+          <a:p>
+            <a:pPr algn="ctr"/>
+            <a:endParaRPr lang="zh-TW" altLang="en-US"/>
+          </a:p>
+        </p:txBody>
+      </p:sp>
+      <p:sp>
+        <p:nvSpPr>
+          <p:cNvPr id="8" name="文字方塊 7"/>
+          <p:cNvSpPr txBox="1"/>
+          <p:nvPr/>
+        </p:nvSpPr>
+        <p:spPr>
+          <a:xfrm>
+            <a:off x="677334" y="5431924"/>
+            <a:ext cx="1069524" cy="369332"/>
+          </a:xfrm>
+          <a:prstGeom prst="rect">
+            <a:avLst/>
+          </a:prstGeom>
+          <a:noFill/>
+        </p:spPr>
+        <p:txBody>
+          <a:bodyPr wrap="none" rtlCol="0">
+            <a:spAutoFit/>
+          </a:bodyPr>
+          <a:lstStyle/>
+          <a:p>
+            <a:r>
+              <a:rPr lang="en-US" altLang="zh-TW" dirty="0" smtClean="0">
+                <a:solidFill>
+                  <a:srgbClr val="FF0000"/>
+                </a:solidFill>
+              </a:rPr>
+              <a:t>m0_8.py</a:t>
+            </a:r>
+            <a:endParaRPr lang="zh-TW" altLang="en-US" dirty="0">
+              <a:solidFill>
+                <a:srgbClr val="FF0000"/>
+              </a:solidFill>
+            </a:endParaRPr>
+          </a:p>
+        </p:txBody>
+      </p:sp>
+    </p:spTree>
+    <p:extLst>
+      <p:ext uri="{BB962C8B-B14F-4D97-AF65-F5344CB8AC3E}">
+        <p14:creationId xmlns:p14="http://schemas.microsoft.com/office/powerpoint/2010/main" val="2218621586"/>
+      </p:ext>
+    </p:extLst>
+  </p:cSld>
+  <p:clrMapOvr>
+    <a:masterClrMapping/>
+  </p:clrMapOvr>
+  <p:timing>
+    <p:tnLst>
+      <p:par>
+        <p:cTn id="1" dur="indefinite" restart="never" nodeType="tmRoot"/>
+      </p:par>
+    </p:tnLst>
+  </p:timing>
+</p:sld>
+</file>
+
+<file path=ppt/slides/slide32.xml><?xml version="1.0" encoding="utf-8"?>
+<p:sld xmlns:a="http://schemas.openxmlformats.org/drawingml/2006/main" xmlns:r="http://schemas.openxmlformats.org/officeDocument/2006/relationships" xmlns:p="http://schemas.openxmlformats.org/presentationml/2006/main">
+  <p:cSld>
+    <p:spTree>
+      <p:nvGrpSpPr>
+        <p:cNvPr id="1" name=""/>
+        <p:cNvGrpSpPr/>
+        <p:nvPr/>
+      </p:nvGrpSpPr>
+      <p:grpSpPr>
+        <a:xfrm>
+          <a:off x="0" y="0"/>
+          <a:ext cx="0" cy="0"/>
+          <a:chOff x="0" y="0"/>
+          <a:chExt cx="0" cy="0"/>
+        </a:xfrm>
+      </p:grpSpPr>
+      <p:sp>
+        <p:nvSpPr>
+          <p:cNvPr id="2" name="標題 1"/>
+          <p:cNvSpPr>
+            <a:spLocks noGrp="1"/>
+          </p:cNvSpPr>
+          <p:nvPr>
+            <p:ph type="title"/>
+          </p:nvPr>
+        </p:nvSpPr>
+        <p:spPr/>
+        <p:txBody>
+          <a:bodyPr/>
+          <a:lstStyle/>
+          <a:p>
+            <a:r>
+              <a:rPr lang="zh-TW" altLang="en-US" dirty="0" smtClean="0"/>
+              <a:t>程式解說</a:t>
+            </a:r>
+            <a:endParaRPr lang="zh-TW" altLang="en-US" dirty="0"/>
+          </a:p>
+        </p:txBody>
+      </p:sp>
+      <p:sp>
+        <p:nvSpPr>
+          <p:cNvPr id="3" name="內容版面配置區 2"/>
+          <p:cNvSpPr>
+            <a:spLocks noGrp="1"/>
+          </p:cNvSpPr>
+          <p:nvPr>
+            <p:ph idx="1"/>
+          </p:nvPr>
+        </p:nvSpPr>
+        <p:spPr/>
+        <p:txBody>
+          <a:bodyPr/>
+          <a:lstStyle/>
+          <a:p>
+            <a:r>
+              <a:rPr lang="en-US" altLang="zh-TW" dirty="0" smtClean="0"/>
+              <a:t>Bins = [1,2,3,4,5,6]</a:t>
+            </a:r>
+            <a:r>
+              <a:rPr lang="zh-TW" altLang="en-US" dirty="0" smtClean="0"/>
+              <a:t>指的是將資料分</a:t>
+            </a:r>
+            <a:r>
+              <a:rPr lang="en-US" altLang="zh-TW" dirty="0" smtClean="0"/>
+              <a:t>5</a:t>
+            </a:r>
+            <a:r>
+              <a:rPr lang="zh-TW" altLang="en-US" dirty="0" smtClean="0"/>
+              <a:t>個區間</a:t>
+            </a:r>
+            <a:endParaRPr lang="en-US" altLang="zh-TW" dirty="0" smtClean="0"/>
+          </a:p>
+          <a:p>
+            <a:pPr lvl="1"/>
+            <a:r>
+              <a:rPr lang="en-US" altLang="zh-TW" dirty="0" smtClean="0"/>
+              <a:t>[1,2)</a:t>
+            </a:r>
+            <a:r>
+              <a:rPr lang="zh-TW" altLang="en-US" dirty="0">
+                <a:solidFill>
+                  <a:schemeClr val="tx1"/>
+                </a:solidFill>
+                <a:sym typeface="Wingdings" panose="05000000000000000000" pitchFamily="2" charset="2"/>
+              </a:rPr>
+              <a:t>含</a:t>
+            </a:r>
+            <a:r>
+              <a:rPr lang="en-US" altLang="zh-TW" dirty="0">
+                <a:solidFill>
+                  <a:schemeClr val="tx1"/>
+                </a:solidFill>
+                <a:sym typeface="Wingdings" panose="05000000000000000000" pitchFamily="2" charset="2"/>
+              </a:rPr>
+              <a:t>1</a:t>
+            </a:r>
+            <a:r>
+              <a:rPr lang="zh-TW" altLang="en-US" dirty="0">
+                <a:solidFill>
+                  <a:schemeClr val="tx1"/>
+                </a:solidFill>
+                <a:sym typeface="Wingdings" panose="05000000000000000000" pitchFamily="2" charset="2"/>
+              </a:rPr>
+              <a:t>不含</a:t>
+            </a:r>
+            <a:r>
+              <a:rPr lang="en-US" altLang="zh-TW" dirty="0">
+                <a:solidFill>
+                  <a:schemeClr val="tx1"/>
+                </a:solidFill>
+                <a:sym typeface="Wingdings" panose="05000000000000000000" pitchFamily="2" charset="2"/>
+              </a:rPr>
+              <a:t>2</a:t>
+            </a:r>
+            <a:r>
+              <a:rPr lang="en-US" altLang="zh-TW" dirty="0" smtClean="0"/>
+              <a:t> , [2,3), [3,4), [4,5), [5,6]</a:t>
+            </a:r>
+            <a:r>
+              <a:rPr lang="zh-TW" altLang="en-US" dirty="0">
+                <a:solidFill>
+                  <a:schemeClr val="tx1"/>
+                </a:solidFill>
+                <a:sym typeface="Wingdings" panose="05000000000000000000" pitchFamily="2" charset="2"/>
+              </a:rPr>
+              <a:t>含</a:t>
+            </a:r>
+            <a:r>
+              <a:rPr lang="en-US" altLang="zh-TW" dirty="0">
+                <a:solidFill>
+                  <a:schemeClr val="tx1"/>
+                </a:solidFill>
+                <a:sym typeface="Wingdings" panose="05000000000000000000" pitchFamily="2" charset="2"/>
+              </a:rPr>
+              <a:t>5</a:t>
+            </a:r>
+            <a:r>
+              <a:rPr lang="zh-TW" altLang="en-US" dirty="0">
+                <a:solidFill>
+                  <a:schemeClr val="tx1"/>
+                </a:solidFill>
+                <a:sym typeface="Wingdings" panose="05000000000000000000" pitchFamily="2" charset="2"/>
+              </a:rPr>
+              <a:t>也含</a:t>
+            </a:r>
+            <a:r>
+              <a:rPr lang="en-US" altLang="zh-TW" dirty="0" smtClean="0">
+                <a:sym typeface="Wingdings" panose="05000000000000000000" pitchFamily="2" charset="2"/>
+              </a:rPr>
+              <a:t>6</a:t>
+            </a:r>
+          </a:p>
+          <a:p>
+            <a:pPr lvl="1"/>
+            <a:r>
+              <a:rPr lang="zh-TW" altLang="en-US" dirty="0">
+                <a:sym typeface="Wingdings" panose="05000000000000000000" pitchFamily="2" charset="2"/>
+              </a:rPr>
+              <a:t>也可以直接給一個數字</a:t>
+            </a:r>
+            <a:r>
+              <a:rPr lang="zh-TW" altLang="en-US" dirty="0" smtClean="0">
+                <a:sym typeface="Wingdings" panose="05000000000000000000" pitchFamily="2" charset="2"/>
+              </a:rPr>
+              <a:t>，分幾組，讓</a:t>
+            </a:r>
+            <a:r>
+              <a:rPr lang="en-US" altLang="zh-TW" dirty="0" err="1" smtClean="0">
+                <a:sym typeface="Wingdings" panose="05000000000000000000" pitchFamily="2" charset="2"/>
+              </a:rPr>
+              <a:t>hist</a:t>
+            </a:r>
+            <a:r>
+              <a:rPr lang="zh-TW" altLang="en-US" dirty="0" smtClean="0">
+                <a:sym typeface="Wingdings" panose="05000000000000000000" pitchFamily="2" charset="2"/>
+              </a:rPr>
+              <a:t>自己計算去分。</a:t>
+            </a:r>
+            <a:r>
+              <a:rPr lang="en-US" altLang="zh-TW" dirty="0" smtClean="0">
+                <a:solidFill>
+                  <a:schemeClr val="tx1"/>
+                </a:solidFill>
+                <a:sym typeface="Wingdings" panose="05000000000000000000" pitchFamily="2" charset="2"/>
+              </a:rPr>
+              <a:t>(</a:t>
+            </a:r>
+            <a:r>
+              <a:rPr lang="zh-TW" altLang="en-US" dirty="0" smtClean="0">
+                <a:solidFill>
+                  <a:schemeClr val="tx1"/>
+                </a:solidFill>
+                <a:sym typeface="Wingdings" panose="05000000000000000000" pitchFamily="2" charset="2"/>
+              </a:rPr>
+              <a:t>但是有時候反而有點麻煩。</a:t>
+            </a:r>
+            <a:r>
+              <a:rPr lang="en-US" altLang="zh-TW" dirty="0" smtClean="0">
+                <a:solidFill>
+                  <a:schemeClr val="tx1"/>
+                </a:solidFill>
+                <a:sym typeface="Wingdings" panose="05000000000000000000" pitchFamily="2" charset="2"/>
+              </a:rPr>
+              <a:t>)</a:t>
+            </a:r>
+          </a:p>
+          <a:p>
+            <a:r>
+              <a:rPr lang="en-US" altLang="zh-TW" dirty="0" smtClean="0">
+                <a:sym typeface="Wingdings" panose="05000000000000000000" pitchFamily="2" charset="2"/>
+              </a:rPr>
+              <a:t>Axis([x</a:t>
+            </a:r>
+            <a:r>
+              <a:rPr lang="zh-TW" altLang="en-US" dirty="0" smtClean="0">
+                <a:sym typeface="Wingdings" panose="05000000000000000000" pitchFamily="2" charset="2"/>
+              </a:rPr>
+              <a:t>下限</a:t>
+            </a:r>
+            <a:r>
+              <a:rPr lang="en-US" altLang="zh-TW" dirty="0" smtClean="0">
+                <a:sym typeface="Wingdings" panose="05000000000000000000" pitchFamily="2" charset="2"/>
+              </a:rPr>
+              <a:t>,x</a:t>
+            </a:r>
+            <a:r>
+              <a:rPr lang="zh-TW" altLang="en-US" dirty="0" smtClean="0">
+                <a:sym typeface="Wingdings" panose="05000000000000000000" pitchFamily="2" charset="2"/>
+              </a:rPr>
+              <a:t>上限</a:t>
+            </a:r>
+            <a:r>
+              <a:rPr lang="en-US" altLang="zh-TW" dirty="0" smtClean="0">
+                <a:sym typeface="Wingdings" panose="05000000000000000000" pitchFamily="2" charset="2"/>
+              </a:rPr>
+              <a:t>, y</a:t>
+            </a:r>
+            <a:r>
+              <a:rPr lang="zh-TW" altLang="en-US" dirty="0" smtClean="0">
+                <a:sym typeface="Wingdings" panose="05000000000000000000" pitchFamily="2" charset="2"/>
+              </a:rPr>
+              <a:t>下限</a:t>
+            </a:r>
+            <a:r>
+              <a:rPr lang="en-US" altLang="zh-TW" dirty="0" smtClean="0">
+                <a:sym typeface="Wingdings" panose="05000000000000000000" pitchFamily="2" charset="2"/>
+              </a:rPr>
+              <a:t>, y</a:t>
+            </a:r>
+            <a:r>
+              <a:rPr lang="zh-TW" altLang="en-US" dirty="0" smtClean="0">
+                <a:sym typeface="Wingdings" panose="05000000000000000000" pitchFamily="2" charset="2"/>
+              </a:rPr>
+              <a:t>上限</a:t>
+            </a:r>
+            <a:r>
+              <a:rPr lang="en-US" altLang="zh-TW" dirty="0" smtClean="0">
+                <a:sym typeface="Wingdings" panose="05000000000000000000" pitchFamily="2" charset="2"/>
+              </a:rPr>
+              <a:t>])</a:t>
+            </a:r>
+          </a:p>
+          <a:p>
+            <a:r>
+              <a:rPr lang="en-US" altLang="zh-TW" dirty="0" err="1">
+                <a:sym typeface="Wingdings" panose="05000000000000000000" pitchFamily="2" charset="2"/>
+              </a:rPr>
+              <a:t>hist</a:t>
+            </a:r>
+            <a:r>
+              <a:rPr lang="en-US" altLang="zh-TW" dirty="0">
+                <a:sym typeface="Wingdings" panose="05000000000000000000" pitchFamily="2" charset="2"/>
+              </a:rPr>
+              <a:t>(</a:t>
+            </a:r>
+            <a:r>
+              <a:rPr lang="en-US" altLang="zh-TW" dirty="0" err="1">
+                <a:sym typeface="Wingdings" panose="05000000000000000000" pitchFamily="2" charset="2"/>
+              </a:rPr>
+              <a:t>datas</a:t>
+            </a:r>
+            <a:r>
+              <a:rPr lang="en-US" altLang="zh-TW" dirty="0">
+                <a:sym typeface="Wingdings" panose="05000000000000000000" pitchFamily="2" charset="2"/>
+              </a:rPr>
+              <a:t>, </a:t>
+            </a:r>
+            <a:r>
+              <a:rPr lang="en-US" altLang="zh-TW" dirty="0" err="1">
+                <a:sym typeface="Wingdings" panose="05000000000000000000" pitchFamily="2" charset="2"/>
+              </a:rPr>
+              <a:t>bins,rwidth</a:t>
+            </a:r>
+            <a:r>
+              <a:rPr lang="en-US" altLang="zh-TW" dirty="0">
+                <a:sym typeface="Wingdings" panose="05000000000000000000" pitchFamily="2" charset="2"/>
+              </a:rPr>
+              <a:t>=0.7,align='left</a:t>
+            </a:r>
+            <a:r>
+              <a:rPr lang="en-US" altLang="zh-TW" dirty="0" smtClean="0">
+                <a:sym typeface="Wingdings" panose="05000000000000000000" pitchFamily="2" charset="2"/>
+              </a:rPr>
+              <a:t>')</a:t>
+            </a:r>
+          </a:p>
+          <a:p>
+            <a:pPr lvl="1"/>
+            <a:r>
+              <a:rPr lang="zh-TW" altLang="en-US" dirty="0">
+                <a:sym typeface="Wingdings" panose="05000000000000000000" pitchFamily="2" charset="2"/>
+              </a:rPr>
+              <a:t>統計</a:t>
+            </a:r>
+            <a:r>
+              <a:rPr lang="en-US" altLang="zh-TW" dirty="0" err="1">
+                <a:sym typeface="Wingdings" panose="05000000000000000000" pitchFamily="2" charset="2"/>
+              </a:rPr>
+              <a:t>datas</a:t>
+            </a:r>
+            <a:r>
+              <a:rPr lang="zh-TW" altLang="en-US" dirty="0">
+                <a:sym typeface="Wingdings" panose="05000000000000000000" pitchFamily="2" charset="2"/>
+              </a:rPr>
+              <a:t>依照</a:t>
+            </a:r>
+            <a:r>
+              <a:rPr lang="en-US" altLang="zh-TW" dirty="0">
+                <a:sym typeface="Wingdings" panose="05000000000000000000" pitchFamily="2" charset="2"/>
+              </a:rPr>
+              <a:t>bins</a:t>
+            </a:r>
+            <a:r>
+              <a:rPr lang="zh-TW" altLang="en-US" dirty="0">
+                <a:sym typeface="Wingdings" panose="05000000000000000000" pitchFamily="2" charset="2"/>
+              </a:rPr>
+              <a:t>分組原則</a:t>
+            </a:r>
+            <a:r>
+              <a:rPr lang="zh-TW" altLang="en-US" dirty="0" smtClean="0">
+                <a:sym typeface="Wingdings" panose="05000000000000000000" pitchFamily="2" charset="2"/>
+              </a:rPr>
+              <a:t>， </a:t>
+            </a:r>
+            <a:r>
+              <a:rPr lang="en-US" altLang="zh-TW" dirty="0" smtClean="0">
+                <a:sym typeface="Wingdings" panose="05000000000000000000" pitchFamily="2" charset="2"/>
+              </a:rPr>
+              <a:t>bar</a:t>
+            </a:r>
+            <a:r>
+              <a:rPr lang="zh-TW" altLang="en-US" dirty="0" smtClean="0">
+                <a:sym typeface="Wingdings" panose="05000000000000000000" pitchFamily="2" charset="2"/>
+              </a:rPr>
+              <a:t>寬為</a:t>
+            </a:r>
+            <a:r>
+              <a:rPr lang="en-US" altLang="zh-TW" dirty="0" smtClean="0">
+                <a:sym typeface="Wingdings" panose="05000000000000000000" pitchFamily="2" charset="2"/>
+              </a:rPr>
+              <a:t>0.7</a:t>
+            </a:r>
+            <a:r>
+              <a:rPr lang="zh-TW" altLang="en-US" dirty="0" smtClean="0">
+                <a:sym typeface="Wingdings" panose="05000000000000000000" pitchFamily="2" charset="2"/>
+              </a:rPr>
+              <a:t>個區間</a:t>
+            </a:r>
+            <a:r>
+              <a:rPr lang="en-US" altLang="zh-TW" dirty="0" smtClean="0">
+                <a:sym typeface="Wingdings" panose="05000000000000000000" pitchFamily="2" charset="2"/>
+              </a:rPr>
+              <a:t>, bar</a:t>
+            </a:r>
+            <a:r>
+              <a:rPr lang="zh-TW" altLang="en-US" dirty="0" smtClean="0">
+                <a:sym typeface="Wingdings" panose="05000000000000000000" pitchFamily="2" charset="2"/>
+              </a:rPr>
+              <a:t>中心對著區間左邊。</a:t>
+            </a:r>
+            <a:endParaRPr lang="en-US" altLang="zh-TW" dirty="0" smtClean="0">
+              <a:sym typeface="Wingdings" panose="05000000000000000000" pitchFamily="2" charset="2"/>
+            </a:endParaRPr>
+          </a:p>
+          <a:p>
+            <a:r>
+              <a:rPr lang="zh-TW" altLang="en-US" dirty="0">
+                <a:sym typeface="Wingdings" panose="05000000000000000000" pitchFamily="2" charset="2"/>
+              </a:rPr>
+              <a:t>傳回值的</a:t>
+            </a:r>
+            <a:r>
+              <a:rPr lang="en-US" altLang="zh-TW" dirty="0">
+                <a:sym typeface="Wingdings" panose="05000000000000000000" pitchFamily="2" charset="2"/>
+              </a:rPr>
+              <a:t>h</a:t>
+            </a:r>
+            <a:r>
+              <a:rPr lang="zh-TW" altLang="en-US" dirty="0">
+                <a:sym typeface="Wingdings" panose="05000000000000000000" pitchFamily="2" charset="2"/>
+              </a:rPr>
+              <a:t>分為</a:t>
+            </a:r>
+            <a:r>
+              <a:rPr lang="en-US" altLang="zh-TW" dirty="0">
+                <a:sym typeface="Wingdings" panose="05000000000000000000" pitchFamily="2" charset="2"/>
+              </a:rPr>
+              <a:t>h[0]</a:t>
+            </a:r>
+            <a:r>
+              <a:rPr lang="zh-TW" altLang="en-US" dirty="0">
+                <a:sym typeface="Wingdings" panose="05000000000000000000" pitchFamily="2" charset="2"/>
+              </a:rPr>
+              <a:t>與</a:t>
+            </a:r>
+            <a:r>
+              <a:rPr lang="en-US" altLang="zh-TW" dirty="0">
+                <a:sym typeface="Wingdings" panose="05000000000000000000" pitchFamily="2" charset="2"/>
+              </a:rPr>
+              <a:t>h[1]</a:t>
+            </a:r>
+            <a:r>
+              <a:rPr lang="zh-TW" altLang="en-US" dirty="0" smtClean="0">
+                <a:sym typeface="Wingdings" panose="05000000000000000000" pitchFamily="2" charset="2"/>
+              </a:rPr>
+              <a:t>。</a:t>
+            </a:r>
+            <a:endParaRPr lang="en-US" altLang="zh-TW" dirty="0" smtClean="0">
+              <a:sym typeface="Wingdings" panose="05000000000000000000" pitchFamily="2" charset="2"/>
+            </a:endParaRPr>
+          </a:p>
+          <a:p>
+            <a:pPr lvl="1"/>
+            <a:r>
+              <a:rPr lang="en-US" altLang="zh-TW" dirty="0" smtClean="0">
+                <a:sym typeface="Wingdings" panose="05000000000000000000" pitchFamily="2" charset="2"/>
+              </a:rPr>
+              <a:t>h[0]: </a:t>
+            </a:r>
+            <a:r>
+              <a:rPr lang="zh-TW" altLang="en-US" dirty="0" smtClean="0">
+                <a:sym typeface="Wingdings" panose="05000000000000000000" pitchFamily="2" charset="2"/>
+              </a:rPr>
+              <a:t>各組資料數量</a:t>
+            </a:r>
+            <a:r>
+              <a:rPr lang="en-US" altLang="zh-TW" dirty="0" smtClean="0">
+                <a:sym typeface="Wingdings" panose="05000000000000000000" pitchFamily="2" charset="2"/>
+              </a:rPr>
+              <a:t>(</a:t>
+            </a:r>
+            <a:r>
+              <a:rPr lang="zh-TW" altLang="en-US" dirty="0" smtClean="0">
+                <a:sym typeface="Wingdings" panose="05000000000000000000" pitchFamily="2" charset="2"/>
+              </a:rPr>
+              <a:t>即</a:t>
+            </a:r>
+            <a:r>
+              <a:rPr lang="en-US" altLang="zh-TW" dirty="0" smtClean="0">
+                <a:sym typeface="Wingdings" panose="05000000000000000000" pitchFamily="2" charset="2"/>
+              </a:rPr>
+              <a:t>y</a:t>
+            </a:r>
+            <a:r>
+              <a:rPr lang="zh-TW" altLang="en-US" dirty="0" smtClean="0">
+                <a:sym typeface="Wingdings" panose="05000000000000000000" pitchFamily="2" charset="2"/>
+              </a:rPr>
+              <a:t>軸</a:t>
+            </a:r>
+            <a:r>
+              <a:rPr lang="en-US" altLang="zh-TW" dirty="0" smtClean="0">
+                <a:sym typeface="Wingdings" panose="05000000000000000000" pitchFamily="2" charset="2"/>
+              </a:rPr>
+              <a:t>)</a:t>
+            </a:r>
+          </a:p>
+          <a:p>
+            <a:pPr lvl="1"/>
+            <a:r>
+              <a:rPr lang="en-US" altLang="zh-TW" dirty="0" smtClean="0">
+                <a:sym typeface="Wingdings" panose="05000000000000000000" pitchFamily="2" charset="2"/>
+              </a:rPr>
+              <a:t>h[1]:</a:t>
+            </a:r>
+            <a:r>
+              <a:rPr lang="zh-TW" altLang="en-US" dirty="0" smtClean="0">
+                <a:sym typeface="Wingdings" panose="05000000000000000000" pitchFamily="2" charset="2"/>
+              </a:rPr>
+              <a:t>分組的左</a:t>
+            </a:r>
+            <a:r>
+              <a:rPr lang="en-US" altLang="zh-TW" dirty="0" smtClean="0">
+                <a:sym typeface="Wingdings" panose="05000000000000000000" pitchFamily="2" charset="2"/>
+              </a:rPr>
+              <a:t>(</a:t>
+            </a:r>
+            <a:r>
+              <a:rPr lang="zh-TW" altLang="en-US" dirty="0" smtClean="0">
+                <a:sym typeface="Wingdings" panose="05000000000000000000" pitchFamily="2" charset="2"/>
+              </a:rPr>
+              <a:t>下</a:t>
+            </a:r>
+            <a:r>
+              <a:rPr lang="en-US" altLang="zh-TW" dirty="0" smtClean="0">
+                <a:sym typeface="Wingdings" panose="05000000000000000000" pitchFamily="2" charset="2"/>
+              </a:rPr>
+              <a:t>)</a:t>
+            </a:r>
+            <a:r>
+              <a:rPr lang="zh-TW" altLang="en-US" dirty="0" smtClean="0">
+                <a:sym typeface="Wingdings" panose="05000000000000000000" pitchFamily="2" charset="2"/>
+              </a:rPr>
+              <a:t>界線。</a:t>
+            </a:r>
+            <a:endParaRPr lang="en-US" altLang="zh-TW" dirty="0" smtClean="0">
+              <a:sym typeface="Wingdings" panose="05000000000000000000" pitchFamily="2" charset="2"/>
+            </a:endParaRPr>
+          </a:p>
+          <a:p>
+            <a:endParaRPr lang="zh-TW" altLang="en-US" dirty="0"/>
+          </a:p>
+        </p:txBody>
+      </p:sp>
+    </p:spTree>
+    <p:extLst>
+      <p:ext uri="{BB962C8B-B14F-4D97-AF65-F5344CB8AC3E}">
+        <p14:creationId xmlns:p14="http://schemas.microsoft.com/office/powerpoint/2010/main" val="4065083576"/>
+      </p:ext>
+    </p:extLst>
+  </p:cSld>
+  <p:clrMapOvr>
+    <a:masterClrMapping/>
+  </p:clrMapOvr>
+  <p:timing>
+    <p:tnLst>
+      <p:par>
+        <p:cTn id="1" dur="indefinite" restart="never" nodeType="tmRoot"/>
+      </p:par>
+    </p:tnLst>
+  </p:timing>
+</p:sld>
+</file>
+
+<file path=ppt/slides/slide33.xml><?xml version="1.0" encoding="utf-8"?>
+<p:sld xmlns:a="http://schemas.openxmlformats.org/drawingml/2006/main" xmlns:r="http://schemas.openxmlformats.org/officeDocument/2006/relationships" xmlns:p="http://schemas.openxmlformats.org/presentationml/2006/main">
+  <p:cSld>
+    <p:spTree>
+      <p:nvGrpSpPr>
+        <p:cNvPr id="1" name=""/>
+        <p:cNvGrpSpPr/>
+        <p:nvPr/>
+      </p:nvGrpSpPr>
+      <p:grpSpPr>
+        <a:xfrm>
+          <a:off x="0" y="0"/>
+          <a:ext cx="0" cy="0"/>
+          <a:chOff x="0" y="0"/>
+          <a:chExt cx="0" cy="0"/>
+        </a:xfrm>
+      </p:grpSpPr>
+      <p:sp>
+        <p:nvSpPr>
+          <p:cNvPr id="4" name="標題 3"/>
+          <p:cNvSpPr>
+            <a:spLocks noGrp="1"/>
+          </p:cNvSpPr>
+          <p:nvPr>
+            <p:ph type="title"/>
+          </p:nvPr>
+        </p:nvSpPr>
+        <p:spPr/>
+        <p:txBody>
+          <a:bodyPr/>
+          <a:lstStyle/>
+          <a:p>
+            <a:r>
               <a:rPr lang="zh-TW" altLang="en-US" dirty="0" smtClean="0"/>
               <a:t>圓餅圖</a:t>
             </a:r>
@@ -18822,7 +19750,7 @@
 </p:sld>
 </file>
 
-<file path=ppt/slides/slide32.xml><?xml version="1.0" encoding="utf-8"?>
+<file path=ppt/slides/slide34.xml><?xml version="1.0" encoding="utf-8"?>
 <p:sld xmlns:a="http://schemas.openxmlformats.org/drawingml/2006/main" xmlns:r="http://schemas.openxmlformats.org/officeDocument/2006/relationships" xmlns:p="http://schemas.openxmlformats.org/presentationml/2006/main">
   <p:cSld>
     <p:spTree>
@@ -19186,7 +20114,7 @@
 </p:sld>
 </file>
 
-<file path=ppt/slides/slide33.xml><?xml version="1.0" encoding="utf-8"?>
+<file path=ppt/slides/slide35.xml><?xml version="1.0" encoding="utf-8"?>
 <p:sld xmlns:a="http://schemas.openxmlformats.org/drawingml/2006/main" xmlns:r="http://schemas.openxmlformats.org/officeDocument/2006/relationships" xmlns:p="http://schemas.openxmlformats.org/presentationml/2006/main">
   <p:cSld>
     <p:spTree>
@@ -19472,7 +20400,7 @@
 </p:sld>
 </file>
 
-<file path=ppt/slides/slide34.xml><?xml version="1.0" encoding="utf-8"?>
+<file path=ppt/slides/slide36.xml><?xml version="1.0" encoding="utf-8"?>
 <p:sld xmlns:a="http://schemas.openxmlformats.org/drawingml/2006/main" xmlns:r="http://schemas.openxmlformats.org/officeDocument/2006/relationships" xmlns:p="http://schemas.openxmlformats.org/presentationml/2006/main">
   <p:cSld>
     <p:spTree>
@@ -19562,7 +20490,7 @@
 </p:sld>
 </file>
 
-<file path=ppt/slides/slide35.xml><?xml version="1.0" encoding="utf-8"?>
+<file path=ppt/slides/slide37.xml><?xml version="1.0" encoding="utf-8"?>
 <p:sld xmlns:a="http://schemas.openxmlformats.org/drawingml/2006/main" xmlns:r="http://schemas.openxmlformats.org/officeDocument/2006/relationships" xmlns:p="http://schemas.openxmlformats.org/presentationml/2006/main">
   <p:cSld>
     <p:spTree>
@@ -19747,7 +20675,7 @@
 </p:sld>
 </file>
 
-<file path=ppt/slides/slide36.xml><?xml version="1.0" encoding="utf-8"?>
+<file path=ppt/slides/slide38.xml><?xml version="1.0" encoding="utf-8"?>
 <p:sld xmlns:a="http://schemas.openxmlformats.org/drawingml/2006/main" xmlns:r="http://schemas.openxmlformats.org/officeDocument/2006/relationships" xmlns:p="http://schemas.openxmlformats.org/presentationml/2006/main">
   <p:cSld>
     <p:spTree>
@@ -20647,7 +21575,7 @@
 </p:sld>
 </file>
 
-<file path=ppt/slides/slide37.xml><?xml version="1.0" encoding="utf-8"?>
+<file path=ppt/slides/slide39.xml><?xml version="1.0" encoding="utf-8"?>
 <p:sld xmlns:a="http://schemas.openxmlformats.org/drawingml/2006/main" xmlns:r="http://schemas.openxmlformats.org/officeDocument/2006/relationships" xmlns:p="http://schemas.openxmlformats.org/presentationml/2006/main">
   <p:cSld>
     <p:spTree>
@@ -20805,7 +21733,90 @@
 </p:sld>
 </file>
 
-<file path=ppt/slides/slide38.xml><?xml version="1.0" encoding="utf-8"?>
+<file path=ppt/slides/slide4.xml><?xml version="1.0" encoding="utf-8"?>
+<p:sld xmlns:a="http://schemas.openxmlformats.org/drawingml/2006/main" xmlns:r="http://schemas.openxmlformats.org/officeDocument/2006/relationships" xmlns:p="http://schemas.openxmlformats.org/presentationml/2006/main">
+  <p:cSld>
+    <p:spTree>
+      <p:nvGrpSpPr>
+        <p:cNvPr id="1" name=""/>
+        <p:cNvGrpSpPr/>
+        <p:nvPr/>
+      </p:nvGrpSpPr>
+      <p:grpSpPr>
+        <a:xfrm>
+          <a:off x="0" y="0"/>
+          <a:ext cx="0" cy="0"/>
+          <a:chOff x="0" y="0"/>
+          <a:chExt cx="0" cy="0"/>
+        </a:xfrm>
+      </p:grpSpPr>
+      <p:sp>
+        <p:nvSpPr>
+          <p:cNvPr id="4" name="標題 3"/>
+          <p:cNvSpPr>
+            <a:spLocks noGrp="1"/>
+          </p:cNvSpPr>
+          <p:nvPr>
+            <p:ph type="title"/>
+          </p:nvPr>
+        </p:nvSpPr>
+        <p:spPr/>
+        <p:txBody>
+          <a:bodyPr/>
+          <a:lstStyle/>
+          <a:p>
+            <a:r>
+              <a:rPr lang="zh-TW" altLang="en-US" dirty="0" smtClean="0"/>
+              <a:t>安裝</a:t>
+            </a:r>
+            <a:r>
+              <a:rPr lang="en-US" altLang="zh-TW" dirty="0" err="1" smtClean="0"/>
+              <a:t>matplotlib</a:t>
+            </a:r>
+            <a:endParaRPr lang="zh-TW" altLang="en-US" dirty="0"/>
+          </a:p>
+        </p:txBody>
+      </p:sp>
+      <p:sp>
+        <p:nvSpPr>
+          <p:cNvPr id="5" name="文字版面配置區 4"/>
+          <p:cNvSpPr>
+            <a:spLocks noGrp="1"/>
+          </p:cNvSpPr>
+          <p:nvPr>
+            <p:ph type="body" idx="1"/>
+          </p:nvPr>
+        </p:nvSpPr>
+        <p:spPr/>
+        <p:txBody>
+          <a:bodyPr/>
+          <a:lstStyle/>
+          <a:p>
+            <a:endParaRPr lang="zh-TW" altLang="en-US"/>
+          </a:p>
+        </p:txBody>
+      </p:sp>
+    </p:spTree>
+    <p:extLst>
+      <p:ext uri="{BB962C8B-B14F-4D97-AF65-F5344CB8AC3E}">
+        <p14:creationId xmlns:p14="http://schemas.microsoft.com/office/powerpoint/2010/main" val="424654391"/>
+      </p:ext>
+    </p:extLst>
+  </p:cSld>
+  <p:clrMapOvr>
+    <a:masterClrMapping/>
+  </p:clrMapOvr>
+  <p:timing>
+    <p:tnLst>
+      <p:par>
+        <p:cTn id="1" dur="indefinite" restart="never" nodeType="tmRoot"/>
+      </p:par>
+    </p:tnLst>
+  </p:timing>
+</p:sld>
+</file>
+
+<file path=ppt/slides/slide40.xml><?xml version="1.0" encoding="utf-8"?>
 <p:sld xmlns:a="http://schemas.openxmlformats.org/drawingml/2006/main" xmlns:r="http://schemas.openxmlformats.org/officeDocument/2006/relationships" xmlns:p="http://schemas.openxmlformats.org/presentationml/2006/main">
   <p:cSld>
     <p:spTree>
@@ -21508,7 +22519,7 @@
 </p:sld>
 </file>
 
-<file path=ppt/slides/slide39.xml><?xml version="1.0" encoding="utf-8"?>
+<file path=ppt/slides/slide41.xml><?xml version="1.0" encoding="utf-8"?>
 <p:sld xmlns:a="http://schemas.openxmlformats.org/drawingml/2006/main" xmlns:r="http://schemas.openxmlformats.org/officeDocument/2006/relationships" xmlns:p="http://schemas.openxmlformats.org/presentationml/2006/main">
   <p:cSld>
     <p:spTree>
@@ -21857,90 +22868,7 @@
 </p:sld>
 </file>
 
-<file path=ppt/slides/slide4.xml><?xml version="1.0" encoding="utf-8"?>
-<p:sld xmlns:a="http://schemas.openxmlformats.org/drawingml/2006/main" xmlns:r="http://schemas.openxmlformats.org/officeDocument/2006/relationships" xmlns:p="http://schemas.openxmlformats.org/presentationml/2006/main">
-  <p:cSld>
-    <p:spTree>
-      <p:nvGrpSpPr>
-        <p:cNvPr id="1" name=""/>
-        <p:cNvGrpSpPr/>
-        <p:nvPr/>
-      </p:nvGrpSpPr>
-      <p:grpSpPr>
-        <a:xfrm>
-          <a:off x="0" y="0"/>
-          <a:ext cx="0" cy="0"/>
-          <a:chOff x="0" y="0"/>
-          <a:chExt cx="0" cy="0"/>
-        </a:xfrm>
-      </p:grpSpPr>
-      <p:sp>
-        <p:nvSpPr>
-          <p:cNvPr id="4" name="標題 3"/>
-          <p:cNvSpPr>
-            <a:spLocks noGrp="1"/>
-          </p:cNvSpPr>
-          <p:nvPr>
-            <p:ph type="title"/>
-          </p:nvPr>
-        </p:nvSpPr>
-        <p:spPr/>
-        <p:txBody>
-          <a:bodyPr/>
-          <a:lstStyle/>
-          <a:p>
-            <a:r>
-              <a:rPr lang="zh-TW" altLang="en-US" dirty="0" smtClean="0"/>
-              <a:t>安裝</a:t>
-            </a:r>
-            <a:r>
-              <a:rPr lang="en-US" altLang="zh-TW" dirty="0" err="1" smtClean="0"/>
-              <a:t>matplotlib</a:t>
-            </a:r>
-            <a:endParaRPr lang="zh-TW" altLang="en-US" dirty="0"/>
-          </a:p>
-        </p:txBody>
-      </p:sp>
-      <p:sp>
-        <p:nvSpPr>
-          <p:cNvPr id="5" name="文字版面配置區 4"/>
-          <p:cNvSpPr>
-            <a:spLocks noGrp="1"/>
-          </p:cNvSpPr>
-          <p:nvPr>
-            <p:ph type="body" idx="1"/>
-          </p:nvPr>
-        </p:nvSpPr>
-        <p:spPr/>
-        <p:txBody>
-          <a:bodyPr/>
-          <a:lstStyle/>
-          <a:p>
-            <a:endParaRPr lang="zh-TW" altLang="en-US"/>
-          </a:p>
-        </p:txBody>
-      </p:sp>
-    </p:spTree>
-    <p:extLst>
-      <p:ext uri="{BB962C8B-B14F-4D97-AF65-F5344CB8AC3E}">
-        <p14:creationId xmlns:p14="http://schemas.microsoft.com/office/powerpoint/2010/main" val="424654391"/>
-      </p:ext>
-    </p:extLst>
-  </p:cSld>
-  <p:clrMapOvr>
-    <a:masterClrMapping/>
-  </p:clrMapOvr>
-  <p:timing>
-    <p:tnLst>
-      <p:par>
-        <p:cTn id="1" dur="indefinite" restart="never" nodeType="tmRoot"/>
-      </p:par>
-    </p:tnLst>
-  </p:timing>
-</p:sld>
-</file>
-
-<file path=ppt/slides/slide40.xml><?xml version="1.0" encoding="utf-8"?>
+<file path=ppt/slides/slide42.xml><?xml version="1.0" encoding="utf-8"?>
 <p:sld xmlns:a="http://schemas.openxmlformats.org/drawingml/2006/main" xmlns:r="http://schemas.openxmlformats.org/officeDocument/2006/relationships" xmlns:p="http://schemas.openxmlformats.org/presentationml/2006/main">
   <p:cSld>
     <p:spTree>
@@ -22125,7 +23053,7 @@
 </p:sld>
 </file>
 
-<file path=ppt/slides/slide41.xml><?xml version="1.0" encoding="utf-8"?>
+<file path=ppt/slides/slide43.xml><?xml version="1.0" encoding="utf-8"?>
 <p:sld xmlns:a="http://schemas.openxmlformats.org/drawingml/2006/main" xmlns:r="http://schemas.openxmlformats.org/officeDocument/2006/relationships" xmlns:p="http://schemas.openxmlformats.org/presentationml/2006/main">
   <p:cSld>
     <p:spTree>
@@ -22389,7 +23317,7 @@
 </p:sld>
 </file>
 
-<file path=ppt/slides/slide42.xml><?xml version="1.0" encoding="utf-8"?>
+<file path=ppt/slides/slide44.xml><?xml version="1.0" encoding="utf-8"?>
 <p:sld xmlns:a="http://schemas.openxmlformats.org/drawingml/2006/main" xmlns:r="http://schemas.openxmlformats.org/officeDocument/2006/relationships" xmlns:p="http://schemas.openxmlformats.org/presentationml/2006/main">
   <p:cSld>
     <p:spTree>
@@ -24532,7 +25460,7 @@
       </p:grpSpPr>
       <p:sp>
         <p:nvSpPr>
-          <p:cNvPr id="3" name="標題 2"/>
+          <p:cNvPr id="2" name="標題 1"/>
           <p:cNvSpPr>
             <a:spLocks noGrp="1"/>
           </p:cNvSpPr>
@@ -24547,7 +25475,15 @@
           <a:p>
             <a:r>
               <a:rPr lang="zh-TW" altLang="en-US" dirty="0" smtClean="0"/>
-              <a:t>小提醒</a:t>
+              <a:t>純</a:t>
+            </a:r>
+            <a:r>
+              <a:rPr lang="en-US" altLang="zh-TW" dirty="0" err="1" smtClean="0"/>
+              <a:t>Spyder</a:t>
+            </a:r>
+            <a:r>
+              <a:rPr lang="zh-TW" altLang="en-US" dirty="0" smtClean="0"/>
+              <a:t>安裝方式</a:t>
             </a:r>
             <a:endParaRPr lang="zh-TW" altLang="en-US" dirty="0"/>
           </a:p>
@@ -24555,7 +25491,7 @@
       </p:sp>
       <p:sp>
         <p:nvSpPr>
-          <p:cNvPr id="4" name="內容版面配置區 3"/>
+          <p:cNvPr id="3" name="內容版面配置區 2"/>
           <p:cNvSpPr>
             <a:spLocks noGrp="1"/>
           </p:cNvSpPr>
@@ -24570,19 +25506,93 @@
           <a:p>
             <a:r>
               <a:rPr lang="zh-TW" altLang="en-US" dirty="0" smtClean="0"/>
-              <a:t>安裝完畢記得要重開</a:t>
+              <a:t>開啟</a:t>
+            </a:r>
+            <a:r>
+              <a:rPr lang="en-US" altLang="zh-TW" dirty="0" smtClean="0"/>
+              <a:t>Windows</a:t>
+            </a:r>
+            <a:r>
+              <a:rPr lang="zh-TW" altLang="en-US" dirty="0" smtClean="0"/>
+              <a:t>的</a:t>
             </a:r>
             <a:r>
               <a:rPr lang="en-US" altLang="zh-TW" dirty="0" err="1" smtClean="0"/>
+              <a:t>cmd</a:t>
+            </a:r>
+            <a:r>
+              <a:rPr lang="zh-TW" altLang="en-US" dirty="0" smtClean="0"/>
+              <a:t>視窗。</a:t>
+            </a:r>
+            <a:endParaRPr lang="en-US" altLang="zh-TW" dirty="0" smtClean="0"/>
+          </a:p>
+          <a:p>
+            <a:r>
+              <a:rPr lang="zh-TW" altLang="en-US" dirty="0"/>
+              <a:t>輸入</a:t>
+            </a:r>
+            <a:r>
+              <a:rPr lang="zh-TW" altLang="en-US" dirty="0" smtClean="0"/>
+              <a:t>：</a:t>
+            </a:r>
+            <a:endParaRPr lang="en-US" altLang="zh-TW" dirty="0" smtClean="0"/>
+          </a:p>
+          <a:p>
+            <a:pPr lvl="1"/>
+            <a:r>
+              <a:rPr lang="en-US" altLang="zh-TW" dirty="0" smtClean="0"/>
+              <a:t>pip install </a:t>
+            </a:r>
+            <a:r>
+              <a:rPr lang="en-US" altLang="zh-TW" dirty="0" err="1" smtClean="0"/>
+              <a:t>matplotlib</a:t>
+            </a:r>
+            <a:endParaRPr lang="en-US" altLang="zh-TW" dirty="0" smtClean="0"/>
+          </a:p>
+          <a:p>
+            <a:endParaRPr lang="en-US" altLang="zh-TW" dirty="0"/>
+          </a:p>
+          <a:p>
+            <a:r>
+              <a:rPr lang="zh-TW" altLang="en-US" dirty="0"/>
+              <a:t>或是在</a:t>
+            </a:r>
+            <a:r>
+              <a:rPr lang="en-US" altLang="zh-TW" dirty="0" err="1"/>
               <a:t>Spyder</a:t>
             </a:r>
             <a:r>
+              <a:rPr lang="zh-TW" altLang="en-US" dirty="0"/>
+              <a:t>中右下角的</a:t>
+            </a:r>
+            <a:r>
+              <a:rPr lang="en-US" altLang="zh-TW" dirty="0"/>
+              <a:t>console</a:t>
+            </a:r>
+            <a:r>
               <a:rPr lang="zh-TW" altLang="en-US" dirty="0" smtClean="0"/>
-              <a:t>喔！</a:t>
+              <a:t>輸入</a:t>
             </a:r>
             <a:endParaRPr lang="en-US" altLang="zh-TW" dirty="0" smtClean="0"/>
           </a:p>
           <a:p>
+            <a:pPr lvl="1"/>
+            <a:r>
+              <a:rPr lang="en-US" altLang="zh-TW" dirty="0" smtClean="0"/>
+              <a:t>!pip </a:t>
+            </a:r>
+            <a:r>
+              <a:rPr lang="en-US" altLang="zh-TW" dirty="0"/>
+              <a:t>install </a:t>
+            </a:r>
+            <a:r>
+              <a:rPr lang="en-US" altLang="zh-TW" dirty="0" err="1"/>
+              <a:t>matplotlib</a:t>
+            </a:r>
+            <a:endParaRPr lang="en-US" altLang="zh-TW" dirty="0"/>
+          </a:p>
+          <a:p>
+            <a:pPr lvl="1"/>
             <a:endParaRPr lang="zh-TW" altLang="en-US" dirty="0"/>
           </a:p>
         </p:txBody>
@@ -24590,20 +25600,13 @@
     </p:spTree>
     <p:extLst>
       <p:ext uri="{BB962C8B-B14F-4D97-AF65-F5344CB8AC3E}">
-        <p14:creationId xmlns:p14="http://schemas.microsoft.com/office/powerpoint/2010/main" val="3621681264"/>
+        <p14:creationId xmlns:p14="http://schemas.microsoft.com/office/powerpoint/2010/main" val="3313347839"/>
       </p:ext>
     </p:extLst>
   </p:cSld>
   <p:clrMapOvr>
     <a:masterClrMapping/>
   </p:clrMapOvr>
-  <p:timing>
-    <p:tnLst>
-      <p:par>
-        <p:cTn id="1" dur="indefinite" restart="never" nodeType="tmRoot"/>
-      </p:par>
-    </p:tnLst>
-  </p:timing>
 </p:sld>
 </file>
 
@@ -24626,7 +25629,7 @@
       </p:grpSpPr>
       <p:sp>
         <p:nvSpPr>
-          <p:cNvPr id="4" name="標題 3"/>
+          <p:cNvPr id="3" name="標題 2"/>
           <p:cNvSpPr>
             <a:spLocks noGrp="1"/>
           </p:cNvSpPr>
@@ -24641,11 +25644,7 @@
           <a:p>
             <a:r>
               <a:rPr lang="zh-TW" altLang="en-US" dirty="0" smtClean="0"/>
-              <a:t>從折線圖開始</a:t>
-            </a:r>
-            <a:r>
-              <a:rPr lang="en-US" altLang="zh-TW" dirty="0" smtClean="0"/>
-              <a:t>(plot)</a:t>
+              <a:t>小提醒</a:t>
             </a:r>
             <a:endParaRPr lang="zh-TW" altLang="en-US" dirty="0"/>
           </a:p>
@@ -24653,12 +25652,12 @@
       </p:sp>
       <p:sp>
         <p:nvSpPr>
-          <p:cNvPr id="5" name="文字版面配置區 4"/>
+          <p:cNvPr id="4" name="內容版面配置區 3"/>
           <p:cNvSpPr>
             <a:spLocks noGrp="1"/>
           </p:cNvSpPr>
           <p:nvPr>
-            <p:ph type="body" idx="1"/>
+            <p:ph idx="1"/>
           </p:nvPr>
         </p:nvSpPr>
         <p:spPr/>
@@ -24666,14 +25665,29 @@
           <a:bodyPr/>
           <a:lstStyle/>
           <a:p>
-            <a:endParaRPr lang="zh-TW" altLang="en-US"/>
+            <a:r>
+              <a:rPr lang="zh-TW" altLang="en-US" dirty="0" smtClean="0"/>
+              <a:t>安裝完畢記得要重開</a:t>
+            </a:r>
+            <a:r>
+              <a:rPr lang="en-US" altLang="zh-TW" dirty="0" err="1" smtClean="0"/>
+              <a:t>Spyder</a:t>
+            </a:r>
+            <a:r>
+              <a:rPr lang="zh-TW" altLang="en-US" dirty="0" smtClean="0"/>
+              <a:t>喔！</a:t>
+            </a:r>
+            <a:endParaRPr lang="en-US" altLang="zh-TW" dirty="0" smtClean="0"/>
+          </a:p>
+          <a:p>
+            <a:endParaRPr lang="zh-TW" altLang="en-US" dirty="0"/>
           </a:p>
         </p:txBody>
       </p:sp>
     </p:spTree>
     <p:extLst>
       <p:ext uri="{BB962C8B-B14F-4D97-AF65-F5344CB8AC3E}">
-        <p14:creationId xmlns:p14="http://schemas.microsoft.com/office/powerpoint/2010/main" val="125707135"/>
+        <p14:creationId xmlns:p14="http://schemas.microsoft.com/office/powerpoint/2010/main" val="3621681264"/>
       </p:ext>
     </p:extLst>
   </p:cSld>
@@ -24709,7 +25723,7 @@
       </p:grpSpPr>
       <p:sp>
         <p:nvSpPr>
-          <p:cNvPr id="2" name="標題 1"/>
+          <p:cNvPr id="4" name="標題 3"/>
           <p:cNvSpPr>
             <a:spLocks noGrp="1"/>
           </p:cNvSpPr>
@@ -24724,7 +25738,11 @@
           <a:p>
             <a:r>
               <a:rPr lang="zh-TW" altLang="en-US" dirty="0" smtClean="0"/>
-              <a:t>嘗鮮一下來個簡單折線圖</a:t>
+              <a:t>從折線圖開始</a:t>
+            </a:r>
+            <a:r>
+              <a:rPr lang="en-US" altLang="zh-TW" dirty="0" smtClean="0"/>
+              <a:t>(plot)</a:t>
             </a:r>
             <a:endParaRPr lang="zh-TW" altLang="en-US" dirty="0"/>
           </a:p>
@@ -24732,530 +25750,27 @@
       </p:sp>
       <p:sp>
         <p:nvSpPr>
-          <p:cNvPr id="3" name="內容版面配置區 2"/>
+          <p:cNvPr id="5" name="文字版面配置區 4"/>
           <p:cNvSpPr>
             <a:spLocks noGrp="1"/>
           </p:cNvSpPr>
           <p:nvPr>
-            <p:ph idx="1"/>
+            <p:ph type="body" idx="1"/>
           </p:nvPr>
         </p:nvSpPr>
-        <p:spPr>
-          <a:xfrm>
-            <a:off x="677334" y="2011681"/>
-            <a:ext cx="8596668" cy="4029682"/>
-          </a:xfrm>
-        </p:spPr>
-        <p:txBody>
-          <a:bodyPr>
-            <a:normAutofit/>
-          </a:bodyPr>
+        <p:spPr/>
+        <p:txBody>
+          <a:bodyPr/>
           <a:lstStyle/>
           <a:p>
-            <a:r>
-              <a:rPr lang="zh-TW" altLang="en-US" dirty="0" smtClean="0"/>
-              <a:t>簡單程式碼如下：</a:t>
-            </a:r>
-            <a:endParaRPr lang="en-US" altLang="zh-TW" dirty="0" smtClean="0"/>
-          </a:p>
-          <a:p>
-            <a:endParaRPr lang="en-US" altLang="zh-TW" dirty="0"/>
-          </a:p>
-          <a:p>
-            <a:endParaRPr lang="en-US" altLang="zh-TW" dirty="0" smtClean="0"/>
-          </a:p>
-          <a:p>
-            <a:endParaRPr lang="en-US" altLang="zh-TW" dirty="0"/>
-          </a:p>
-          <a:p>
-            <a:endParaRPr lang="en-US" altLang="zh-TW" dirty="0" smtClean="0"/>
-          </a:p>
-          <a:p>
-            <a:r>
-              <a:rPr lang="zh-TW" altLang="en-US" dirty="0"/>
-              <a:t>程式碼存檔</a:t>
-            </a:r>
-            <a:r>
-              <a:rPr lang="zh-TW" altLang="en-US" dirty="0" smtClean="0"/>
-              <a:t>，然後點開</a:t>
-            </a:r>
-            <a:r>
-              <a:rPr lang="en-US" altLang="zh-TW" dirty="0" err="1" smtClean="0"/>
-              <a:t>Spyder</a:t>
-            </a:r>
-            <a:r>
-              <a:rPr lang="zh-TW" altLang="en-US" dirty="0" smtClean="0"/>
-              <a:t>的右上角處的</a:t>
-            </a:r>
-            <a:r>
-              <a:rPr lang="en-US" altLang="zh-TW" dirty="0" smtClean="0"/>
-              <a:t>Plots</a:t>
-            </a:r>
-            <a:br>
-              <a:rPr lang="en-US" altLang="zh-TW" dirty="0" smtClean="0"/>
-            </a:br>
-            <a:r>
-              <a:rPr lang="zh-TW" altLang="en-US" dirty="0" smtClean="0"/>
-              <a:t>，如下：</a:t>
-            </a:r>
-            <a:endParaRPr lang="en-US" altLang="zh-TW" dirty="0" smtClean="0"/>
-          </a:p>
-          <a:p>
-            <a:endParaRPr lang="en-US" altLang="zh-TW" dirty="0"/>
-          </a:p>
-          <a:p>
-            <a:endParaRPr lang="en-US" altLang="zh-TW" dirty="0"/>
-          </a:p>
-          <a:p>
-            <a:r>
-              <a:rPr lang="zh-TW" altLang="en-US" dirty="0" smtClean="0"/>
-              <a:t>執行，看到圖表。</a:t>
-            </a:r>
-            <a:endParaRPr lang="zh-TW" altLang="en-US" dirty="0"/>
-          </a:p>
-        </p:txBody>
-      </p:sp>
-      <p:sp>
-        <p:nvSpPr>
-          <p:cNvPr id="4" name="文字方塊 3"/>
-          <p:cNvSpPr txBox="1"/>
-          <p:nvPr/>
-        </p:nvSpPr>
-        <p:spPr>
-          <a:xfrm>
-            <a:off x="1115569" y="2359152"/>
-            <a:ext cx="3398687" cy="1477328"/>
-          </a:xfrm>
-          <a:prstGeom prst="rect">
-            <a:avLst/>
-          </a:prstGeom>
-          <a:solidFill>
-            <a:schemeClr val="tx1"/>
-          </a:solidFill>
-        </p:spPr>
-        <p:txBody>
-          <a:bodyPr wrap="none" rtlCol="0">
-            <a:spAutoFit/>
-          </a:bodyPr>
-          <a:lstStyle/>
-          <a:p>
-            <a:r>
-              <a:rPr lang="en-US" altLang="zh-TW" dirty="0">
-                <a:solidFill>
-                  <a:srgbClr val="7030A0"/>
-                </a:solidFill>
-              </a:rPr>
-              <a:t>import</a:t>
-            </a:r>
-            <a:r>
-              <a:rPr lang="en-US" altLang="zh-TW" dirty="0">
-                <a:solidFill>
-                  <a:schemeClr val="bg1"/>
-                </a:solidFill>
-              </a:rPr>
-              <a:t> </a:t>
-            </a:r>
-            <a:r>
-              <a:rPr lang="en-US" altLang="zh-TW" dirty="0" err="1">
-                <a:solidFill>
-                  <a:schemeClr val="bg1"/>
-                </a:solidFill>
-              </a:rPr>
-              <a:t>matplotlib.pyplot</a:t>
-            </a:r>
-            <a:r>
-              <a:rPr lang="en-US" altLang="zh-TW" dirty="0">
-                <a:solidFill>
-                  <a:schemeClr val="bg1"/>
-                </a:solidFill>
-              </a:rPr>
-              <a:t> </a:t>
-            </a:r>
-            <a:r>
-              <a:rPr lang="en-US" altLang="zh-TW" dirty="0">
-                <a:solidFill>
-                  <a:srgbClr val="7030A0"/>
-                </a:solidFill>
-              </a:rPr>
-              <a:t>as</a:t>
-            </a:r>
-            <a:r>
-              <a:rPr lang="en-US" altLang="zh-TW" dirty="0">
-                <a:solidFill>
-                  <a:schemeClr val="bg1"/>
-                </a:solidFill>
-              </a:rPr>
-              <a:t> </a:t>
-            </a:r>
-            <a:r>
-              <a:rPr lang="en-US" altLang="zh-TW" dirty="0" err="1">
-                <a:solidFill>
-                  <a:schemeClr val="bg1"/>
-                </a:solidFill>
-              </a:rPr>
-              <a:t>plt</a:t>
-            </a:r>
-            <a:endParaRPr lang="en-US" altLang="zh-TW" dirty="0">
-              <a:solidFill>
-                <a:schemeClr val="bg1"/>
-              </a:solidFill>
-            </a:endParaRPr>
-          </a:p>
-          <a:p>
-            <a:r>
-              <a:rPr lang="en-US" altLang="zh-TW" dirty="0">
-                <a:solidFill>
-                  <a:schemeClr val="bg1"/>
-                </a:solidFill>
-              </a:rPr>
-              <a:t>x = </a:t>
-            </a:r>
-            <a:r>
-              <a:rPr lang="en-US" altLang="zh-TW" dirty="0" smtClean="0">
-                <a:solidFill>
-                  <a:schemeClr val="bg1"/>
-                </a:solidFill>
-              </a:rPr>
-              <a:t>[</a:t>
-            </a:r>
-            <a:r>
-              <a:rPr lang="en-US" altLang="zh-TW" dirty="0" smtClean="0">
-                <a:solidFill>
-                  <a:srgbClr val="FFFF00"/>
-                </a:solidFill>
-              </a:rPr>
-              <a:t>2</a:t>
-            </a:r>
-            <a:r>
-              <a:rPr lang="en-US" altLang="zh-TW" dirty="0" smtClean="0">
-                <a:solidFill>
-                  <a:schemeClr val="bg1"/>
-                </a:solidFill>
-              </a:rPr>
-              <a:t>, </a:t>
-            </a:r>
-            <a:r>
-              <a:rPr lang="en-US" altLang="zh-TW" dirty="0" smtClean="0">
-                <a:solidFill>
-                  <a:srgbClr val="FFFF00"/>
-                </a:solidFill>
-              </a:rPr>
-              <a:t>0</a:t>
-            </a:r>
-            <a:r>
-              <a:rPr lang="en-US" altLang="zh-TW" dirty="0" smtClean="0">
-                <a:solidFill>
-                  <a:schemeClr val="bg1"/>
-                </a:solidFill>
-              </a:rPr>
-              <a:t>, </a:t>
-            </a:r>
-            <a:r>
-              <a:rPr lang="en-US" altLang="zh-TW" dirty="0" smtClean="0">
-                <a:solidFill>
-                  <a:srgbClr val="FFFF00"/>
-                </a:solidFill>
-              </a:rPr>
-              <a:t>2</a:t>
-            </a:r>
-            <a:r>
-              <a:rPr lang="en-US" altLang="zh-TW" dirty="0" smtClean="0">
-                <a:solidFill>
-                  <a:schemeClr val="bg1"/>
-                </a:solidFill>
-              </a:rPr>
-              <a:t>, </a:t>
-            </a:r>
-            <a:r>
-              <a:rPr lang="en-US" altLang="zh-TW" dirty="0" smtClean="0">
-                <a:solidFill>
-                  <a:srgbClr val="FFFF00"/>
-                </a:solidFill>
-              </a:rPr>
-              <a:t>1</a:t>
-            </a:r>
-            <a:r>
-              <a:rPr lang="en-US" altLang="zh-TW" dirty="0" smtClean="0">
-                <a:solidFill>
-                  <a:schemeClr val="bg1"/>
-                </a:solidFill>
-              </a:rPr>
-              <a:t>]</a:t>
-            </a:r>
-            <a:endParaRPr lang="en-US" altLang="zh-TW" dirty="0">
-              <a:solidFill>
-                <a:schemeClr val="bg1"/>
-              </a:solidFill>
-            </a:endParaRPr>
-          </a:p>
-          <a:p>
-            <a:r>
-              <a:rPr lang="en-US" altLang="zh-TW" dirty="0">
-                <a:solidFill>
-                  <a:schemeClr val="bg1"/>
-                </a:solidFill>
-              </a:rPr>
-              <a:t>y = </a:t>
-            </a:r>
-            <a:r>
-              <a:rPr lang="en-US" altLang="zh-TW" dirty="0" smtClean="0">
-                <a:solidFill>
-                  <a:schemeClr val="bg1"/>
-                </a:solidFill>
-              </a:rPr>
-              <a:t>[</a:t>
-            </a:r>
-            <a:r>
-              <a:rPr lang="en-US" altLang="zh-TW" dirty="0" smtClean="0">
-                <a:solidFill>
-                  <a:srgbClr val="FFFF00"/>
-                </a:solidFill>
-              </a:rPr>
-              <a:t>7</a:t>
-            </a:r>
-            <a:r>
-              <a:rPr lang="en-US" altLang="zh-TW" dirty="0" smtClean="0">
-                <a:solidFill>
-                  <a:schemeClr val="bg1"/>
-                </a:solidFill>
-              </a:rPr>
-              <a:t>, </a:t>
-            </a:r>
-            <a:r>
-              <a:rPr lang="en-US" altLang="zh-TW" dirty="0" smtClean="0">
-                <a:solidFill>
-                  <a:srgbClr val="FFFF00"/>
-                </a:solidFill>
-              </a:rPr>
-              <a:t>11</a:t>
-            </a:r>
-            <a:r>
-              <a:rPr lang="en-US" altLang="zh-TW" dirty="0" smtClean="0">
-                <a:solidFill>
-                  <a:schemeClr val="bg1"/>
-                </a:solidFill>
-              </a:rPr>
-              <a:t>, </a:t>
-            </a:r>
-            <a:r>
-              <a:rPr lang="en-US" altLang="zh-TW" dirty="0" smtClean="0">
-                <a:solidFill>
-                  <a:srgbClr val="FFFF00"/>
-                </a:solidFill>
-              </a:rPr>
-              <a:t>11</a:t>
-            </a:r>
-            <a:r>
-              <a:rPr lang="en-US" altLang="zh-TW" dirty="0" smtClean="0">
-                <a:solidFill>
-                  <a:schemeClr val="bg1"/>
-                </a:solidFill>
-              </a:rPr>
-              <a:t>, </a:t>
-            </a:r>
-            <a:r>
-              <a:rPr lang="en-US" altLang="zh-TW" dirty="0" smtClean="0">
-                <a:solidFill>
-                  <a:srgbClr val="FFFF00"/>
-                </a:solidFill>
-              </a:rPr>
-              <a:t>6</a:t>
-            </a:r>
-            <a:r>
-              <a:rPr lang="en-US" altLang="zh-TW" dirty="0" smtClean="0">
-                <a:solidFill>
-                  <a:schemeClr val="bg1"/>
-                </a:solidFill>
-              </a:rPr>
-              <a:t>]</a:t>
-            </a:r>
-            <a:endParaRPr lang="en-US" altLang="zh-TW" dirty="0">
-              <a:solidFill>
-                <a:schemeClr val="bg1"/>
-              </a:solidFill>
-            </a:endParaRPr>
-          </a:p>
-          <a:p>
-            <a:r>
-              <a:rPr lang="en-US" altLang="zh-TW" dirty="0" err="1">
-                <a:solidFill>
-                  <a:schemeClr val="bg1"/>
-                </a:solidFill>
-              </a:rPr>
-              <a:t>plt.plot</a:t>
-            </a:r>
-            <a:r>
-              <a:rPr lang="en-US" altLang="zh-TW" dirty="0">
-                <a:solidFill>
-                  <a:schemeClr val="bg1"/>
-                </a:solidFill>
-              </a:rPr>
-              <a:t>(x, y)</a:t>
-            </a:r>
-          </a:p>
-          <a:p>
-            <a:r>
-              <a:rPr lang="en-US" altLang="zh-TW" dirty="0" err="1">
-                <a:solidFill>
-                  <a:schemeClr val="bg1"/>
-                </a:solidFill>
-              </a:rPr>
-              <a:t>plt.show</a:t>
-            </a:r>
-            <a:r>
-              <a:rPr lang="en-US" altLang="zh-TW" dirty="0">
-                <a:solidFill>
-                  <a:schemeClr val="bg1"/>
-                </a:solidFill>
-              </a:rPr>
-              <a:t>()</a:t>
-            </a:r>
-            <a:endParaRPr lang="zh-TW" altLang="en-US" dirty="0">
-              <a:solidFill>
-                <a:schemeClr val="bg1"/>
-              </a:solidFill>
-            </a:endParaRPr>
-          </a:p>
-        </p:txBody>
-      </p:sp>
-      <p:pic>
-        <p:nvPicPr>
-          <p:cNvPr id="5" name="圖片 4"/>
-          <p:cNvPicPr>
-            <a:picLocks noChangeAspect="1"/>
-          </p:cNvPicPr>
-          <p:nvPr/>
-        </p:nvPicPr>
-        <p:blipFill>
-          <a:blip r:embed="rId2"/>
-          <a:stretch>
-            <a:fillRect/>
-          </a:stretch>
-        </p:blipFill>
-        <p:spPr>
-          <a:xfrm>
-            <a:off x="1115569" y="4363007"/>
-            <a:ext cx="2788920" cy="986849"/>
-          </a:xfrm>
-          <a:prstGeom prst="rect">
-            <a:avLst/>
-          </a:prstGeom>
-        </p:spPr>
-      </p:pic>
-      <p:sp>
-        <p:nvSpPr>
-          <p:cNvPr id="6" name="向上箭號 5"/>
-          <p:cNvSpPr/>
-          <p:nvPr/>
-        </p:nvSpPr>
-        <p:spPr>
-          <a:xfrm rot="19205874">
-            <a:off x="3115990" y="5136125"/>
-            <a:ext cx="157689" cy="427461"/>
-          </a:xfrm>
-          <a:prstGeom prst="upArrow">
-            <a:avLst/>
-          </a:prstGeom>
-          <a:solidFill>
-            <a:srgbClr val="FF0000"/>
-          </a:solidFill>
-          <a:ln>
-            <a:solidFill>
-              <a:srgbClr val="FF0000"/>
-            </a:solidFill>
-          </a:ln>
-        </p:spPr>
-        <p:style>
-          <a:lnRef idx="2">
-            <a:schemeClr val="accent1">
-              <a:shade val="50000"/>
-            </a:schemeClr>
-          </a:lnRef>
-          <a:fillRef idx="1">
-            <a:schemeClr val="accent1"/>
-          </a:fillRef>
-          <a:effectRef idx="0">
-            <a:schemeClr val="accent1"/>
-          </a:effectRef>
-          <a:fontRef idx="minor">
-            <a:schemeClr val="lt1"/>
-          </a:fontRef>
-        </p:style>
-        <p:txBody>
-          <a:bodyPr rtlCol="0" anchor="ctr"/>
-          <a:lstStyle/>
-          <a:p>
-            <a:pPr algn="ctr"/>
             <a:endParaRPr lang="zh-TW" altLang="en-US"/>
-          </a:p>
-        </p:txBody>
-      </p:sp>
-      <p:pic>
-        <p:nvPicPr>
-          <p:cNvPr id="8" name="圖片 7"/>
-          <p:cNvPicPr>
-            <a:picLocks noChangeAspect="1"/>
-          </p:cNvPicPr>
-          <p:nvPr/>
-        </p:nvPicPr>
-        <p:blipFill>
-          <a:blip r:embed="rId3"/>
-          <a:stretch>
-            <a:fillRect/>
-          </a:stretch>
-        </p:blipFill>
-        <p:spPr>
-          <a:xfrm>
-            <a:off x="6374079" y="1733756"/>
-            <a:ext cx="5279796" cy="3830639"/>
-          </a:xfrm>
-          <a:prstGeom prst="rect">
-            <a:avLst/>
-          </a:prstGeom>
-        </p:spPr>
-      </p:pic>
-      <p:sp>
-        <p:nvSpPr>
-          <p:cNvPr id="9" name="文字方塊 8"/>
-          <p:cNvSpPr txBox="1"/>
-          <p:nvPr/>
-        </p:nvSpPr>
-        <p:spPr>
-          <a:xfrm>
-            <a:off x="777240" y="6041363"/>
-            <a:ext cx="1069524" cy="369332"/>
-          </a:xfrm>
-          <a:prstGeom prst="rect">
-            <a:avLst/>
-          </a:prstGeom>
-          <a:noFill/>
-        </p:spPr>
-        <p:txBody>
-          <a:bodyPr wrap="none" rtlCol="0">
-            <a:spAutoFit/>
-          </a:bodyPr>
-          <a:lstStyle/>
-          <a:p>
-            <a:r>
-              <a:rPr lang="en-US" altLang="zh-TW" dirty="0" smtClean="0">
-                <a:solidFill>
-                  <a:srgbClr val="FF0000"/>
-                </a:solidFill>
-              </a:rPr>
-              <a:t>m0_1.py</a:t>
-            </a:r>
-            <a:endParaRPr lang="zh-TW" altLang="en-US" dirty="0">
-              <a:solidFill>
-                <a:srgbClr val="FF0000"/>
-              </a:solidFill>
-            </a:endParaRPr>
           </a:p>
         </p:txBody>
       </p:sp>
     </p:spTree>
     <p:extLst>
       <p:ext uri="{BB962C8B-B14F-4D97-AF65-F5344CB8AC3E}">
-        <p14:creationId xmlns:p14="http://schemas.microsoft.com/office/powerpoint/2010/main" val="661001255"/>
+        <p14:creationId xmlns:p14="http://schemas.microsoft.com/office/powerpoint/2010/main" val="125707135"/>
       </p:ext>
     </p:extLst>
   </p:cSld>
